--- a/workshops/2019_10_09/Präsentation 08_10_2019.pptx
+++ b/workshops/2019_10_09/Präsentation 08_10_2019.pptx
@@ -10,11 +10,10 @@
     <p:sldId id="263" r:id="rId4"/>
     <p:sldId id="258" r:id="rId5"/>
     <p:sldId id="259" r:id="rId6"/>
-    <p:sldId id="264" r:id="rId7"/>
-    <p:sldId id="265" r:id="rId8"/>
-    <p:sldId id="260" r:id="rId9"/>
-    <p:sldId id="261" r:id="rId10"/>
-    <p:sldId id="267" r:id="rId11"/>
+    <p:sldId id="265" r:id="rId7"/>
+    <p:sldId id="260" r:id="rId8"/>
+    <p:sldId id="261" r:id="rId9"/>
+    <p:sldId id="267" r:id="rId10"/>
   </p:sldIdLst>
   <p:sldSz cx="12192000" cy="6858000"/>
   <p:notesSz cx="6858000" cy="9144000"/>
@@ -322,7 +321,7 @@
           <a:p>
             <a:fld id="{A312F13E-1E93-4F6D-B514-E99E3F42818D}" type="slidenum">
               <a:rPr lang="de-DE" smtClean="0"/>
-              <a:t>‹Nr.›</a:t>
+              <a:t>‹#›</a:t>
             </a:fld>
             <a:endParaRPr lang="de-DE"/>
           </a:p>
@@ -520,7 +519,7 @@
           <a:p>
             <a:fld id="{A312F13E-1E93-4F6D-B514-E99E3F42818D}" type="slidenum">
               <a:rPr lang="de-DE" smtClean="0"/>
-              <a:t>‹Nr.›</a:t>
+              <a:t>‹#›</a:t>
             </a:fld>
             <a:endParaRPr lang="de-DE"/>
           </a:p>
@@ -728,7 +727,7 @@
           <a:p>
             <a:fld id="{A312F13E-1E93-4F6D-B514-E99E3F42818D}" type="slidenum">
               <a:rPr lang="de-DE" smtClean="0"/>
-              <a:t>‹Nr.›</a:t>
+              <a:t>‹#›</a:t>
             </a:fld>
             <a:endParaRPr lang="de-DE"/>
           </a:p>
@@ -926,7 +925,7 @@
           <a:p>
             <a:fld id="{A312F13E-1E93-4F6D-B514-E99E3F42818D}" type="slidenum">
               <a:rPr lang="de-DE" smtClean="0"/>
-              <a:t>‹Nr.›</a:t>
+              <a:t>‹#›</a:t>
             </a:fld>
             <a:endParaRPr lang="de-DE"/>
           </a:p>
@@ -1201,7 +1200,7 @@
           <a:p>
             <a:fld id="{A312F13E-1E93-4F6D-B514-E99E3F42818D}" type="slidenum">
               <a:rPr lang="de-DE" smtClean="0"/>
-              <a:t>‹Nr.›</a:t>
+              <a:t>‹#›</a:t>
             </a:fld>
             <a:endParaRPr lang="de-DE"/>
           </a:p>
@@ -1466,7 +1465,7 @@
           <a:p>
             <a:fld id="{A312F13E-1E93-4F6D-B514-E99E3F42818D}" type="slidenum">
               <a:rPr lang="de-DE" smtClean="0"/>
-              <a:t>‹Nr.›</a:t>
+              <a:t>‹#›</a:t>
             </a:fld>
             <a:endParaRPr lang="de-DE"/>
           </a:p>
@@ -1878,7 +1877,7 @@
           <a:p>
             <a:fld id="{A312F13E-1E93-4F6D-B514-E99E3F42818D}" type="slidenum">
               <a:rPr lang="de-DE" smtClean="0"/>
-              <a:t>‹Nr.›</a:t>
+              <a:t>‹#›</a:t>
             </a:fld>
             <a:endParaRPr lang="de-DE"/>
           </a:p>
@@ -2019,7 +2018,7 @@
           <a:p>
             <a:fld id="{A312F13E-1E93-4F6D-B514-E99E3F42818D}" type="slidenum">
               <a:rPr lang="de-DE" smtClean="0"/>
-              <a:t>‹Nr.›</a:t>
+              <a:t>‹#›</a:t>
             </a:fld>
             <a:endParaRPr lang="de-DE"/>
           </a:p>
@@ -2132,7 +2131,7 @@
           <a:p>
             <a:fld id="{A312F13E-1E93-4F6D-B514-E99E3F42818D}" type="slidenum">
               <a:rPr lang="de-DE" smtClean="0"/>
-              <a:t>‹Nr.›</a:t>
+              <a:t>‹#›</a:t>
             </a:fld>
             <a:endParaRPr lang="de-DE"/>
           </a:p>
@@ -2443,7 +2442,7 @@
           <a:p>
             <a:fld id="{A312F13E-1E93-4F6D-B514-E99E3F42818D}" type="slidenum">
               <a:rPr lang="de-DE" smtClean="0"/>
-              <a:t>‹Nr.›</a:t>
+              <a:t>‹#›</a:t>
             </a:fld>
             <a:endParaRPr lang="de-DE"/>
           </a:p>
@@ -2731,7 +2730,7 @@
           <a:p>
             <a:fld id="{A312F13E-1E93-4F6D-B514-E99E3F42818D}" type="slidenum">
               <a:rPr lang="de-DE" smtClean="0"/>
-              <a:t>‹Nr.›</a:t>
+              <a:t>‹#›</a:t>
             </a:fld>
             <a:endParaRPr lang="de-DE"/>
           </a:p>
@@ -2754,9 +2753,18 @@
 <p:sldMaster xmlns:a="http://schemas.openxmlformats.org/drawingml/2006/main" xmlns:r="http://schemas.openxmlformats.org/officeDocument/2006/relationships" xmlns:p="http://schemas.openxmlformats.org/presentationml/2006/main">
   <p:cSld>
     <p:bg>
-      <p:bgRef idx="1001">
-        <a:schemeClr val="bg1"/>
-      </p:bgRef>
+      <p:bgPr>
+        <a:blipFill dpi="0" rotWithShape="1">
+          <a:blip r:embed="rId13">
+            <a:lum/>
+          </a:blip>
+          <a:srcRect/>
+          <a:stretch>
+            <a:fillRect t="-17000" b="-17000"/>
+          </a:stretch>
+        </a:blipFill>
+        <a:effectLst/>
+      </p:bgPr>
     </p:bg>
     <p:spTree>
       <p:nvGrpSpPr>
@@ -3008,7 +3016,7 @@
           <a:p>
             <a:fld id="{A312F13E-1E93-4F6D-B514-E99E3F42818D}" type="slidenum">
               <a:rPr lang="de-DE" smtClean="0"/>
-              <a:t>‹Nr.›</a:t>
+              <a:t>‹#›</a:t>
             </a:fld>
             <a:endParaRPr lang="de-DE"/>
           </a:p>
@@ -3404,150 +3412,6 @@
 </p:sld>
 </file>
 
-<file path=ppt/slides/slide10.xml><?xml version="1.0" encoding="utf-8"?>
-<p:sld xmlns:a="http://schemas.openxmlformats.org/drawingml/2006/main" xmlns:r="http://schemas.openxmlformats.org/officeDocument/2006/relationships" xmlns:p="http://schemas.openxmlformats.org/presentationml/2006/main">
-  <p:cSld>
-    <p:spTree>
-      <p:nvGrpSpPr>
-        <p:cNvPr id="1" name=""/>
-        <p:cNvGrpSpPr/>
-        <p:nvPr/>
-      </p:nvGrpSpPr>
-      <p:grpSpPr>
-        <a:xfrm>
-          <a:off x="0" y="0"/>
-          <a:ext cx="0" cy="0"/>
-          <a:chOff x="0" y="0"/>
-          <a:chExt cx="0" cy="0"/>
-        </a:xfrm>
-      </p:grpSpPr>
-      <p:sp>
-        <p:nvSpPr>
-          <p:cNvPr id="2" name="Titel 1">
-            <a:extLst>
-              <a:ext uri="{FF2B5EF4-FFF2-40B4-BE49-F238E27FC236}">
-                <a16:creationId xmlns:a16="http://schemas.microsoft.com/office/drawing/2014/main" id="{34A65147-4D6F-4D9E-AA36-D80FC8751F56}"/>
-              </a:ext>
-            </a:extLst>
-          </p:cNvPr>
-          <p:cNvSpPr>
-            <a:spLocks noGrp="1"/>
-          </p:cNvSpPr>
-          <p:nvPr>
-            <p:ph type="title"/>
-          </p:nvPr>
-        </p:nvSpPr>
-        <p:spPr/>
-        <p:txBody>
-          <a:bodyPr/>
-          <a:lstStyle/>
-          <a:p>
-            <a:r>
-              <a:rPr lang="de-DE" dirty="0"/>
-              <a:t>Next </a:t>
-            </a:r>
-            <a:r>
-              <a:rPr lang="de-DE" dirty="0" err="1"/>
-              <a:t>Steps</a:t>
-            </a:r>
-            <a:r>
-              <a:rPr lang="de-DE" dirty="0"/>
-              <a:t> – Allgemein</a:t>
-            </a:r>
-          </a:p>
-        </p:txBody>
-      </p:sp>
-      <p:sp>
-        <p:nvSpPr>
-          <p:cNvPr id="3" name="Inhaltsplatzhalter 2">
-            <a:extLst>
-              <a:ext uri="{FF2B5EF4-FFF2-40B4-BE49-F238E27FC236}">
-                <a16:creationId xmlns:a16="http://schemas.microsoft.com/office/drawing/2014/main" id="{E51FDB7C-7C3C-4DA6-A386-67D58ED5A294}"/>
-              </a:ext>
-            </a:extLst>
-          </p:cNvPr>
-          <p:cNvSpPr>
-            <a:spLocks noGrp="1"/>
-          </p:cNvSpPr>
-          <p:nvPr>
-            <p:ph idx="1"/>
-          </p:nvPr>
-        </p:nvSpPr>
-        <p:spPr/>
-        <p:txBody>
-          <a:bodyPr/>
-          <a:lstStyle/>
-          <a:p>
-            <a:r>
-              <a:rPr lang="de-DE" dirty="0"/>
-              <a:t>Untergrund abklären</a:t>
-            </a:r>
-          </a:p>
-          <a:p>
-            <a:r>
-              <a:rPr lang="de-DE" dirty="0"/>
-              <a:t>Möglichkeiten des </a:t>
-            </a:r>
-            <a:r>
-              <a:rPr lang="de-DE" dirty="0" err="1"/>
-              <a:t>FabLab</a:t>
-            </a:r>
-            <a:r>
-              <a:rPr lang="de-DE" dirty="0"/>
-              <a:t> abklären</a:t>
-            </a:r>
-          </a:p>
-          <a:p>
-            <a:r>
-              <a:rPr lang="de-DE" dirty="0"/>
-              <a:t>Hardwarebestellung durchführen</a:t>
-            </a:r>
-          </a:p>
-          <a:p>
-            <a:r>
-              <a:rPr lang="de-DE" dirty="0"/>
-              <a:t>Sonstige Materialien</a:t>
-            </a:r>
-          </a:p>
-          <a:p>
-            <a:pPr lvl="1"/>
-            <a:r>
-              <a:rPr lang="de-DE" dirty="0" err="1"/>
-              <a:t>Breadboard</a:t>
-            </a:r>
-            <a:r>
-              <a:rPr lang="de-DE" dirty="0"/>
-              <a:t>, </a:t>
-            </a:r>
-            <a:r>
-              <a:rPr lang="de-DE" dirty="0" err="1"/>
-              <a:t>JumperWires</a:t>
-            </a:r>
-            <a:r>
-              <a:rPr lang="de-DE" dirty="0"/>
-              <a:t>, </a:t>
-            </a:r>
-            <a:r>
-              <a:rPr lang="de-DE" dirty="0" err="1"/>
-              <a:t>Resistors</a:t>
-            </a:r>
-            <a:endParaRPr lang="de-DE" dirty="0"/>
-          </a:p>
-        </p:txBody>
-      </p:sp>
-    </p:spTree>
-    <p:extLst>
-      <p:ext uri="{BB962C8B-B14F-4D97-AF65-F5344CB8AC3E}">
-        <p14:creationId xmlns:p14="http://schemas.microsoft.com/office/powerpoint/2010/main" val="2244558388"/>
-      </p:ext>
-    </p:extLst>
-  </p:cSld>
-  <p:clrMapOvr>
-    <a:masterClrMapping/>
-  </p:clrMapOvr>
-</p:sld>
-</file>
-
 <file path=ppt/slides/slide2.xml><?xml version="1.0" encoding="utf-8"?>
 <p:sld xmlns:a="http://schemas.openxmlformats.org/drawingml/2006/main" xmlns:r="http://schemas.openxmlformats.org/officeDocument/2006/relationships" xmlns:p="http://schemas.openxmlformats.org/presentationml/2006/main">
   <p:cSld>
@@ -3616,7 +3480,7 @@
           <a:p>
             <a:r>
               <a:rPr lang="de-DE" dirty="0"/>
-              <a:t>Verdeutlichung der täglichem Emissionen</a:t>
+              <a:t>Verdeutlichung der täglichen Emissionen</a:t>
             </a:r>
           </a:p>
           <a:p>
@@ -3695,6 +3559,20 @@
 <file path=ppt/slides/slide3.xml><?xml version="1.0" encoding="utf-8"?>
 <p:sld xmlns:a="http://schemas.openxmlformats.org/drawingml/2006/main" xmlns:r="http://schemas.openxmlformats.org/officeDocument/2006/relationships" xmlns:p="http://schemas.openxmlformats.org/presentationml/2006/main">
   <p:cSld>
+    <p:bg>
+      <p:bgPr>
+        <a:blipFill dpi="0" rotWithShape="1">
+          <a:blip r:embed="rId2">
+            <a:lum/>
+          </a:blip>
+          <a:srcRect/>
+          <a:stretch>
+            <a:fillRect t="-17000" b="-17000"/>
+          </a:stretch>
+        </a:blipFill>
+        <a:effectLst/>
+      </p:bgPr>
+    </p:bg>
     <p:spTree>
       <p:nvGrpSpPr>
         <p:cNvPr id="1" name=""/>
@@ -3725,18 +3603,64 @@
             <p:ph type="title"/>
           </p:nvPr>
         </p:nvSpPr>
-        <p:spPr/>
-        <p:txBody>
-          <a:bodyPr/>
-          <a:lstStyle/>
-          <a:p>
-            <a:r>
-              <a:rPr lang="de-DE" dirty="0"/>
+        <p:spPr>
+          <a:xfrm>
+            <a:off x="5069940" y="365124"/>
+            <a:ext cx="6172200" cy="1828800"/>
+          </a:xfrm>
+        </p:spPr>
+        <p:txBody>
+          <a:bodyPr>
+            <a:normAutofit/>
+          </a:bodyPr>
+          <a:lstStyle/>
+          <a:p>
+            <a:r>
+              <a:rPr lang="de-DE" dirty="0">
+                <a:solidFill>
+                  <a:schemeClr val="bg1"/>
+                </a:solidFill>
+              </a:rPr>
               <a:t>Projektidee</a:t>
             </a:r>
           </a:p>
         </p:txBody>
       </p:sp>
+      <p:pic>
+        <p:nvPicPr>
+          <p:cNvPr id="5" name="Picture 4">
+            <a:extLst>
+              <a:ext uri="{FF2B5EF4-FFF2-40B4-BE49-F238E27FC236}">
+                <a16:creationId xmlns:a16="http://schemas.microsoft.com/office/drawing/2014/main" id="{9003388F-9B94-4ACB-AA0C-DAD7B39C0024}"/>
+              </a:ext>
+            </a:extLst>
+          </p:cNvPr>
+          <p:cNvPicPr>
+            <a:picLocks noChangeAspect="1"/>
+          </p:cNvPicPr>
+          <p:nvPr/>
+        </p:nvPicPr>
+        <p:blipFill rotWithShape="1">
+          <a:blip r:embed="rId3">
+            <a:extLst>
+              <a:ext uri="{28A0092B-C50C-407E-A947-70E740481C1C}">
+                <a14:useLocalDpi xmlns:a14="http://schemas.microsoft.com/office/drawing/2010/main" val="0"/>
+              </a:ext>
+            </a:extLst>
+          </a:blip>
+          <a:srcRect b="16857"/>
+          <a:stretch/>
+        </p:blipFill>
+        <p:spPr>
+          <a:xfrm>
+            <a:off x="20" y="10"/>
+            <a:ext cx="4639713" cy="6857990"/>
+          </a:xfrm>
+          <a:prstGeom prst="rect">
+            <a:avLst/>
+          </a:prstGeom>
+        </p:spPr>
+      </p:pic>
       <p:sp>
         <p:nvSpPr>
           <p:cNvPr id="3" name="Inhaltsplatzhalter 2">
@@ -3753,41 +3677,68 @@
             <p:ph idx="1"/>
           </p:nvPr>
         </p:nvSpPr>
-        <p:spPr/>
-        <p:txBody>
-          <a:bodyPr/>
-          <a:lstStyle/>
-          <a:p>
-            <a:r>
-              <a:rPr lang="de-DE" dirty="0"/>
+        <p:spPr>
+          <a:xfrm>
+            <a:off x="5069940" y="2322576"/>
+            <a:ext cx="6172200" cy="3858768"/>
+          </a:xfrm>
+        </p:spPr>
+        <p:txBody>
+          <a:bodyPr>
+            <a:normAutofit/>
+          </a:bodyPr>
+          <a:lstStyle/>
+          <a:p>
+            <a:r>
+              <a:rPr lang="de-DE" sz="2400" dirty="0">
+                <a:solidFill>
+                  <a:schemeClr val="bg1"/>
+                </a:solidFill>
+              </a:rPr>
               <a:t>Anforderung</a:t>
             </a:r>
           </a:p>
           <a:p>
             <a:pPr lvl="1"/>
             <a:r>
-              <a:rPr lang="de-DE" dirty="0"/>
+              <a:rPr lang="de-DE" dirty="0">
+                <a:solidFill>
+                  <a:schemeClr val="bg1"/>
+                </a:solidFill>
+              </a:rPr>
               <a:t>Einfache Bedienung</a:t>
             </a:r>
           </a:p>
           <a:p>
             <a:pPr lvl="2"/>
             <a:r>
-              <a:rPr lang="de-DE" dirty="0"/>
+              <a:rPr lang="de-DE" sz="2400" dirty="0">
+                <a:solidFill>
+                  <a:schemeClr val="bg1"/>
+                </a:solidFill>
+              </a:rPr>
               <a:t>Keine Konfiguration durch den Nutzer</a:t>
             </a:r>
           </a:p>
           <a:p>
             <a:pPr lvl="2"/>
             <a:r>
-              <a:rPr lang="de-DE" dirty="0"/>
+              <a:rPr lang="de-DE" sz="2400" dirty="0">
+                <a:solidFill>
+                  <a:schemeClr val="bg1"/>
+                </a:solidFill>
+              </a:rPr>
               <a:t>Plug &amp; Play Erfahrung</a:t>
             </a:r>
           </a:p>
           <a:p>
             <a:pPr lvl="1"/>
             <a:r>
-              <a:rPr lang="de-DE" dirty="0"/>
+              <a:rPr lang="de-DE" dirty="0">
+                <a:solidFill>
+                  <a:schemeClr val="bg1"/>
+                </a:solidFill>
+              </a:rPr>
               <a:t>Einfache Visualisierung der Daten</a:t>
             </a:r>
           </a:p>
@@ -3795,13 +3746,21 @@
             <a:pPr marL="457200" lvl="1" indent="0">
               <a:buNone/>
             </a:pPr>
-            <a:endParaRPr lang="de-DE" dirty="0"/>
+            <a:endParaRPr lang="de-DE" dirty="0">
+              <a:solidFill>
+                <a:schemeClr val="bg1"/>
+              </a:solidFill>
+            </a:endParaRPr>
           </a:p>
           <a:p>
             <a:pPr marL="457200" lvl="1" indent="0">
               <a:buNone/>
             </a:pPr>
-            <a:endParaRPr lang="de-DE" dirty="0"/>
+            <a:endParaRPr lang="de-DE" dirty="0">
+              <a:solidFill>
+                <a:schemeClr val="bg1"/>
+              </a:solidFill>
+            </a:endParaRPr>
           </a:p>
         </p:txBody>
       </p:sp>
@@ -3813,7 +3772,7 @@
     </p:extLst>
   </p:cSld>
   <p:clrMapOvr>
-    <a:masterClrMapping/>
+    <a:overrideClrMapping bg1="dk1" tx1="lt1" bg2="dk2" tx2="lt2" accent1="accent1" accent2="accent2" accent3="accent3" accent4="accent4" accent5="accent5" accent6="accent6" hlink="hlink" folHlink="folHlink"/>
   </p:clrMapOvr>
 </p:sld>
 </file>
@@ -3927,7 +3886,7 @@
           <a:p>
             <a:r>
               <a:rPr lang="de-DE" dirty="0"/>
-              <a:t>1 Optionale Komponente</a:t>
+              <a:t>Eine Optionale Komponente</a:t>
             </a:r>
           </a:p>
           <a:p>
@@ -3953,6 +3912,42 @@
           </a:p>
         </p:txBody>
       </p:sp>
+      <p:pic>
+        <p:nvPicPr>
+          <p:cNvPr id="5" name="Picture 4">
+            <a:extLst>
+              <a:ext uri="{FF2B5EF4-FFF2-40B4-BE49-F238E27FC236}">
+                <a16:creationId xmlns:a16="http://schemas.microsoft.com/office/drawing/2014/main" id="{B6FC1057-9025-400D-A0B3-2579391A9FE5}"/>
+              </a:ext>
+            </a:extLst>
+          </p:cNvPr>
+          <p:cNvPicPr>
+            <a:picLocks noChangeAspect="1"/>
+          </p:cNvPicPr>
+          <p:nvPr/>
+        </p:nvPicPr>
+        <p:blipFill>
+          <a:blip r:embed="rId2">
+            <a:extLst>
+              <a:ext uri="{28A0092B-C50C-407E-A947-70E740481C1C}">
+                <a14:useLocalDpi xmlns:a14="http://schemas.microsoft.com/office/drawing/2010/main" val="0"/>
+              </a:ext>
+            </a:extLst>
+          </a:blip>
+          <a:stretch>
+            <a:fillRect/>
+          </a:stretch>
+        </p:blipFill>
+        <p:spPr>
+          <a:xfrm>
+            <a:off x="8336251" y="0"/>
+            <a:ext cx="3855749" cy="6858000"/>
+          </a:xfrm>
+          <a:prstGeom prst="rect">
+            <a:avLst/>
+          </a:prstGeom>
+        </p:spPr>
+      </p:pic>
     </p:spTree>
     <p:extLst>
       <p:ext uri="{BB962C8B-B14F-4D97-AF65-F5344CB8AC3E}">
@@ -4027,9 +4022,16 @@
             <p:ph idx="1"/>
           </p:nvPr>
         </p:nvSpPr>
-        <p:spPr/>
-        <p:txBody>
-          <a:bodyPr/>
+        <p:spPr>
+          <a:xfrm>
+            <a:off x="838200" y="1825625"/>
+            <a:ext cx="5540022" cy="4351338"/>
+          </a:xfrm>
+        </p:spPr>
+        <p:txBody>
+          <a:bodyPr>
+            <a:normAutofit lnSpcReduction="10000"/>
+          </a:bodyPr>
           <a:lstStyle/>
           <a:p>
             <a:r>
@@ -4098,6 +4100,42 @@
           </a:p>
         </p:txBody>
       </p:sp>
+      <p:pic>
+        <p:nvPicPr>
+          <p:cNvPr id="7" name="Picture 6">
+            <a:extLst>
+              <a:ext uri="{FF2B5EF4-FFF2-40B4-BE49-F238E27FC236}">
+                <a16:creationId xmlns:a16="http://schemas.microsoft.com/office/drawing/2014/main" id="{FF27B302-F921-4DFA-945D-5B2DF5428BC8}"/>
+              </a:ext>
+            </a:extLst>
+          </p:cNvPr>
+          <p:cNvPicPr>
+            <a:picLocks noChangeAspect="1"/>
+          </p:cNvPicPr>
+          <p:nvPr/>
+        </p:nvPicPr>
+        <p:blipFill>
+          <a:blip r:embed="rId2">
+            <a:extLst>
+              <a:ext uri="{28A0092B-C50C-407E-A947-70E740481C1C}">
+                <a14:useLocalDpi xmlns:a14="http://schemas.microsoft.com/office/drawing/2010/main" val="0"/>
+              </a:ext>
+            </a:extLst>
+          </a:blip>
+          <a:stretch>
+            <a:fillRect/>
+          </a:stretch>
+        </p:blipFill>
+        <p:spPr>
+          <a:xfrm>
+            <a:off x="7716470" y="0"/>
+            <a:ext cx="4475530" cy="6858000"/>
+          </a:xfrm>
+          <a:prstGeom prst="rect">
+            <a:avLst/>
+          </a:prstGeom>
+        </p:spPr>
+      </p:pic>
     </p:spTree>
     <p:extLst>
       <p:ext uri="{BB962C8B-B14F-4D97-AF65-F5344CB8AC3E}">
@@ -4133,7 +4171,7 @@
           <p:cNvPr id="2" name="Titel 1">
             <a:extLst>
               <a:ext uri="{FF2B5EF4-FFF2-40B4-BE49-F238E27FC236}">
-                <a16:creationId xmlns:a16="http://schemas.microsoft.com/office/drawing/2014/main" id="{9980B525-A41F-40D0-952B-FDB8ACBFB5E3}"/>
+                <a16:creationId xmlns:a16="http://schemas.microsoft.com/office/drawing/2014/main" id="{901C7854-C13A-452E-A6BF-927DD80E98FE}"/>
               </a:ext>
             </a:extLst>
           </p:cNvPr>
@@ -4144,15 +4182,21 @@
             <p:ph type="title"/>
           </p:nvPr>
         </p:nvSpPr>
-        <p:spPr/>
-        <p:txBody>
-          <a:bodyPr/>
-          <a:lstStyle/>
-          <a:p>
-            <a:r>
-              <a:rPr lang="de-DE" dirty="0"/>
-              <a:t>Hardware</a:t>
-            </a:r>
+        <p:spPr>
+          <a:xfrm>
+            <a:off x="838200" y="365125"/>
+            <a:ext cx="10515600" cy="1325563"/>
+          </a:xfrm>
+        </p:spPr>
+        <p:txBody>
+          <a:bodyPr/>
+          <a:lstStyle/>
+          <a:p>
+            <a:r>
+              <a:rPr lang="de-DE"/>
+              <a:t>Aktueller Stand	</a:t>
+            </a:r>
+            <a:endParaRPr lang="de-DE" dirty="0"/>
           </a:p>
         </p:txBody>
       </p:sp>
@@ -4161,7 +4205,7 @@
           <p:cNvPr id="3" name="Inhaltsplatzhalter 2">
             <a:extLst>
               <a:ext uri="{FF2B5EF4-FFF2-40B4-BE49-F238E27FC236}">
-                <a16:creationId xmlns:a16="http://schemas.microsoft.com/office/drawing/2014/main" id="{1DF7663A-D02F-49D4-B97A-D44C3876118F}"/>
+                <a16:creationId xmlns:a16="http://schemas.microsoft.com/office/drawing/2014/main" id="{BAC03C0F-1531-4601-A425-EC11A29DDF74}"/>
               </a:ext>
             </a:extLst>
           </p:cNvPr>
@@ -4172,10 +4216,35 @@
             <p:ph idx="1"/>
           </p:nvPr>
         </p:nvSpPr>
-        <p:spPr/>
-        <p:txBody>
-          <a:bodyPr/>
-          <a:lstStyle/>
+        <p:spPr>
+          <a:xfrm>
+            <a:off x="838200" y="1825625"/>
+            <a:ext cx="4896556" cy="4351338"/>
+          </a:xfrm>
+        </p:spPr>
+        <p:txBody>
+          <a:bodyPr/>
+          <a:lstStyle/>
+          <a:p>
+            <a:r>
+              <a:rPr lang="de-DE" dirty="0"/>
+              <a:t>Hardware Recherche</a:t>
+            </a:r>
+          </a:p>
+          <a:p>
+            <a:pPr lvl="1"/>
+            <a:r>
+              <a:rPr lang="de-DE" dirty="0"/>
+              <a:t>Auto: Erledigt, benötigt Freigabe</a:t>
+            </a:r>
+          </a:p>
+          <a:p>
+            <a:pPr lvl="1"/>
+            <a:r>
+              <a:rPr lang="de-DE" dirty="0"/>
+              <a:t>Backend: Erledigt, bis auf Ventil</a:t>
+            </a:r>
+          </a:p>
           <a:p>
             <a:r>
               <a:rPr lang="de-DE" dirty="0"/>
@@ -4186,67 +4255,74 @@
             <a:pPr lvl="1"/>
             <a:r>
               <a:rPr lang="de-DE" dirty="0"/>
-              <a:t>Arduino mit integriertem Wifi Modul</a:t>
+              <a:t>Hardware Skizze</a:t>
             </a:r>
           </a:p>
           <a:p>
             <a:pPr lvl="1"/>
             <a:r>
               <a:rPr lang="de-DE" dirty="0"/>
-              <a:t>Batterie zur autarken Energieversorgung</a:t>
-            </a:r>
-          </a:p>
-          <a:p>
-            <a:pPr lvl="1"/>
-            <a:r>
-              <a:rPr lang="de-DE" dirty="0"/>
-              <a:t>Sensor zum Erfassen der gefahrenen Strecke / Geschwindigkeit</a:t>
-            </a:r>
-          </a:p>
-          <a:p>
-            <a:r>
-              <a:rPr lang="de-DE" dirty="0"/>
-              <a:t>Basis Station</a:t>
-            </a:r>
-          </a:p>
-          <a:p>
-            <a:pPr lvl="1"/>
-            <a:r>
-              <a:rPr lang="de-DE" dirty="0"/>
-              <a:t>Raspberry Pi 3B+ mit Wifi Modul</a:t>
-            </a:r>
-          </a:p>
-          <a:p>
-            <a:pPr lvl="1"/>
-            <a:r>
-              <a:rPr lang="de-DE" dirty="0"/>
-              <a:t>Display zur Datenvisualisierung</a:t>
-            </a:r>
-          </a:p>
-          <a:p>
-            <a:pPr lvl="1"/>
-            <a:r>
-              <a:rPr lang="de-DE" dirty="0"/>
-              <a:t>(Optional) Integrierter LEDs</a:t>
-            </a:r>
-          </a:p>
-          <a:p>
-            <a:pPr lvl="1"/>
-            <a:r>
-              <a:rPr lang="de-DE" dirty="0"/>
-              <a:t>(Optional) Luftballon</a:t>
-            </a:r>
-          </a:p>
-          <a:p>
-            <a:pPr lvl="1"/>
+              <a:t>Konzeptskizze mit Maßen</a:t>
+            </a:r>
+          </a:p>
+          <a:p>
+            <a:r>
+              <a:rPr lang="de-DE" dirty="0"/>
+              <a:t>Erste Schritte 3D Modellierung</a:t>
+            </a:r>
+          </a:p>
+          <a:p>
+            <a:pPr marL="0" indent="0">
+              <a:buNone/>
+            </a:pPr>
             <a:endParaRPr lang="de-DE" dirty="0"/>
           </a:p>
-        </p:txBody>
-      </p:sp>
+          <a:p>
+            <a:pPr lvl="2"/>
+            <a:endParaRPr lang="de-DE" dirty="0"/>
+          </a:p>
+        </p:txBody>
+      </p:sp>
+      <p:pic>
+        <p:nvPicPr>
+          <p:cNvPr id="5" name="Picture 4">
+            <a:extLst>
+              <a:ext uri="{FF2B5EF4-FFF2-40B4-BE49-F238E27FC236}">
+                <a16:creationId xmlns:a16="http://schemas.microsoft.com/office/drawing/2014/main" id="{5C6EB75E-A2B9-4322-BCBA-B6179C0E3556}"/>
+              </a:ext>
+            </a:extLst>
+          </p:cNvPr>
+          <p:cNvPicPr>
+            <a:picLocks noChangeAspect="1"/>
+          </p:cNvPicPr>
+          <p:nvPr/>
+        </p:nvPicPr>
+        <p:blipFill>
+          <a:blip r:embed="rId2">
+            <a:extLst>
+              <a:ext uri="{28A0092B-C50C-407E-A947-70E740481C1C}">
+                <a14:useLocalDpi xmlns:a14="http://schemas.microsoft.com/office/drawing/2010/main" val="0"/>
+              </a:ext>
+            </a:extLst>
+          </a:blip>
+          <a:stretch>
+            <a:fillRect/>
+          </a:stretch>
+        </p:blipFill>
+        <p:spPr>
+          <a:xfrm>
+            <a:off x="8336251" y="0"/>
+            <a:ext cx="3855749" cy="6858000"/>
+          </a:xfrm>
+          <a:prstGeom prst="rect">
+            <a:avLst/>
+          </a:prstGeom>
+        </p:spPr>
+      </p:pic>
     </p:spTree>
     <p:extLst>
       <p:ext uri="{BB962C8B-B14F-4D97-AF65-F5344CB8AC3E}">
-        <p14:creationId xmlns:p14="http://schemas.microsoft.com/office/powerpoint/2010/main" val="2725344940"/>
+        <p14:creationId xmlns:p14="http://schemas.microsoft.com/office/powerpoint/2010/main" val="3349344988"/>
       </p:ext>
     </p:extLst>
   </p:cSld>
@@ -4278,7 +4354,7 @@
           <p:cNvPr id="2" name="Titel 1">
             <a:extLst>
               <a:ext uri="{FF2B5EF4-FFF2-40B4-BE49-F238E27FC236}">
-                <a16:creationId xmlns:a16="http://schemas.microsoft.com/office/drawing/2014/main" id="{901C7854-C13A-452E-A6BF-927DD80E98FE}"/>
+                <a16:creationId xmlns:a16="http://schemas.microsoft.com/office/drawing/2014/main" id="{93127488-A85B-4A62-9508-736A0D8854BC}"/>
               </a:ext>
             </a:extLst>
           </p:cNvPr>
@@ -4296,7 +4372,15 @@
           <a:p>
             <a:r>
               <a:rPr lang="de-DE" dirty="0"/>
-              <a:t>Aktueller Stand	</a:t>
+              <a:t>Next </a:t>
+            </a:r>
+            <a:r>
+              <a:rPr lang="de-DE" dirty="0" err="1"/>
+              <a:t>Steps</a:t>
+            </a:r>
+            <a:r>
+              <a:rPr lang="de-DE" dirty="0"/>
+              <a:t> - Backend</a:t>
             </a:r>
           </a:p>
         </p:txBody>
@@ -4306,7 +4390,7 @@
           <p:cNvPr id="3" name="Inhaltsplatzhalter 2">
             <a:extLst>
               <a:ext uri="{FF2B5EF4-FFF2-40B4-BE49-F238E27FC236}">
-                <a16:creationId xmlns:a16="http://schemas.microsoft.com/office/drawing/2014/main" id="{BAC03C0F-1531-4601-A425-EC11A29DDF74}"/>
+                <a16:creationId xmlns:a16="http://schemas.microsoft.com/office/drawing/2014/main" id="{B9323D02-C0D9-4E04-862D-9A22C1BD4674}"/>
               </a:ext>
             </a:extLst>
           </p:cNvPr>
@@ -4324,65 +4408,88 @@
           <a:p>
             <a:r>
               <a:rPr lang="de-DE" dirty="0"/>
-              <a:t>Hardware Recherche</a:t>
+              <a:t>Evaluation</a:t>
             </a:r>
           </a:p>
           <a:p>
             <a:pPr lvl="1"/>
             <a:r>
               <a:rPr lang="de-DE" dirty="0"/>
-              <a:t>Auto: Erledigt, benötigt Freigabe</a:t>
+              <a:t>Web-Framework</a:t>
+            </a:r>
+          </a:p>
+          <a:p>
+            <a:pPr lvl="2"/>
+            <a:r>
+              <a:rPr lang="de-DE" dirty="0"/>
+              <a:t>Vermutlich </a:t>
+            </a:r>
+            <a:r>
+              <a:rPr lang="de-DE" dirty="0" err="1"/>
+              <a:t>Flask</a:t>
+            </a:r>
+            <a:endParaRPr lang="de-DE" dirty="0"/>
+          </a:p>
+          <a:p>
+            <a:pPr lvl="2"/>
+            <a:r>
+              <a:rPr lang="de-DE" dirty="0"/>
+              <a:t>Schnittstelle für Sensordaten</a:t>
+            </a:r>
+          </a:p>
+          <a:p>
+            <a:pPr lvl="2"/>
+            <a:r>
+              <a:rPr lang="de-DE" dirty="0"/>
+              <a:t>Darstellung als Website</a:t>
             </a:r>
           </a:p>
           <a:p>
             <a:pPr lvl="1"/>
             <a:r>
               <a:rPr lang="de-DE" dirty="0"/>
-              <a:t>Backend: Erledigt, bis auf Ventil</a:t>
-            </a:r>
-          </a:p>
-          <a:p>
-            <a:r>
-              <a:rPr lang="de-DE" dirty="0"/>
-              <a:t>Fahrzeuge</a:t>
-            </a:r>
+              <a:t>Darstellung</a:t>
+            </a:r>
+          </a:p>
+          <a:p>
+            <a:pPr lvl="2"/>
+            <a:r>
+              <a:rPr lang="de-DE" dirty="0"/>
+              <a:t>Vermutlich </a:t>
+            </a:r>
+            <a:r>
+              <a:rPr lang="de-DE" dirty="0" err="1"/>
+              <a:t>ChartJS</a:t>
+            </a:r>
+            <a:endParaRPr lang="de-DE" dirty="0"/>
           </a:p>
           <a:p>
             <a:pPr lvl="1"/>
             <a:r>
               <a:rPr lang="de-DE" dirty="0"/>
-              <a:t>Hardware Skizze</a:t>
-            </a:r>
-          </a:p>
-          <a:p>
-            <a:pPr lvl="1"/>
-            <a:r>
-              <a:rPr lang="de-DE" dirty="0"/>
-              <a:t>Konzeptskizze mit Maßen</a:t>
-            </a:r>
-          </a:p>
-          <a:p>
-            <a:r>
-              <a:rPr lang="de-DE" dirty="0"/>
-              <a:t>Erste Schritte 3D Modellierung</a:t>
-            </a:r>
-          </a:p>
-          <a:p>
-            <a:pPr marL="0" indent="0">
-              <a:buNone/>
-            </a:pPr>
-            <a:endParaRPr lang="de-DE" dirty="0"/>
+              <a:t>Hardware</a:t>
+            </a:r>
           </a:p>
           <a:p>
             <a:pPr lvl="2"/>
-            <a:endParaRPr lang="de-DE" dirty="0"/>
+            <a:r>
+              <a:rPr lang="de-DE" dirty="0"/>
+              <a:t>(Optional) Library für LEDs</a:t>
+            </a:r>
+          </a:p>
+          <a:p>
+            <a:pPr lvl="2"/>
+            <a:r>
+              <a:rPr lang="de-DE" dirty="0"/>
+              <a:t>(Optional) Steuerung Pumpe/Ventil für Ballon</a:t>
+            </a:r>
           </a:p>
         </p:txBody>
       </p:sp>
     </p:spTree>
     <p:extLst>
       <p:ext uri="{BB962C8B-B14F-4D97-AF65-F5344CB8AC3E}">
-        <p14:creationId xmlns:p14="http://schemas.microsoft.com/office/powerpoint/2010/main" val="3349344988"/>
+        <p14:creationId xmlns:p14="http://schemas.microsoft.com/office/powerpoint/2010/main" val="836368299"/>
       </p:ext>
     </p:extLst>
   </p:cSld>
@@ -4414,7 +4521,7 @@
           <p:cNvPr id="2" name="Titel 1">
             <a:extLst>
               <a:ext uri="{FF2B5EF4-FFF2-40B4-BE49-F238E27FC236}">
-                <a16:creationId xmlns:a16="http://schemas.microsoft.com/office/drawing/2014/main" id="{93127488-A85B-4A62-9508-736A0D8854BC}"/>
+                <a16:creationId xmlns:a16="http://schemas.microsoft.com/office/drawing/2014/main" id="{802CF7EC-422E-4B46-8C6A-501086E2E433}"/>
               </a:ext>
             </a:extLst>
           </p:cNvPr>
@@ -4440,7 +4547,7 @@
             </a:r>
             <a:r>
               <a:rPr lang="de-DE" dirty="0"/>
-              <a:t> - Backend</a:t>
+              <a:t> – Auto</a:t>
             </a:r>
           </a:p>
         </p:txBody>
@@ -4450,7 +4557,7 @@
           <p:cNvPr id="3" name="Inhaltsplatzhalter 2">
             <a:extLst>
               <a:ext uri="{FF2B5EF4-FFF2-40B4-BE49-F238E27FC236}">
-                <a16:creationId xmlns:a16="http://schemas.microsoft.com/office/drawing/2014/main" id="{B9323D02-C0D9-4E04-862D-9A22C1BD4674}"/>
+                <a16:creationId xmlns:a16="http://schemas.microsoft.com/office/drawing/2014/main" id="{30CC5FFF-9A24-4D8E-A2E6-303ECBE22844}"/>
               </a:ext>
             </a:extLst>
           </p:cNvPr>
@@ -4475,81 +4582,74 @@
             <a:pPr lvl="1"/>
             <a:r>
               <a:rPr lang="de-DE" dirty="0"/>
-              <a:t>Web-Framework</a:t>
+              <a:t>3D Druck für Fahrzeuge</a:t>
             </a:r>
           </a:p>
           <a:p>
             <a:pPr lvl="2"/>
             <a:r>
               <a:rPr lang="de-DE" dirty="0"/>
-              <a:t>Vermutlich </a:t>
-            </a:r>
-            <a:r>
-              <a:rPr lang="de-DE" dirty="0" err="1"/>
-              <a:t>Flask</a:t>
-            </a:r>
+              <a:t>Tools zum Erstellen der Modelle (Blender, …)</a:t>
+            </a:r>
+          </a:p>
+          <a:p>
+            <a:r>
+              <a:rPr lang="de-DE" dirty="0"/>
+              <a:t>Bestellung der Hardware</a:t>
+            </a:r>
+          </a:p>
+          <a:p>
+            <a:r>
+              <a:rPr lang="de-DE" dirty="0"/>
+              <a:t>Elektronik testen</a:t>
+            </a:r>
+          </a:p>
+          <a:p>
+            <a:pPr lvl="1"/>
             <a:endParaRPr lang="de-DE" dirty="0"/>
           </a:p>
-          <a:p>
-            <a:pPr lvl="2"/>
-            <a:r>
-              <a:rPr lang="de-DE" dirty="0"/>
-              <a:t>Schnittstelle für Sensordaten</a:t>
-            </a:r>
-          </a:p>
-          <a:p>
-            <a:pPr lvl="2"/>
-            <a:r>
-              <a:rPr lang="de-DE" dirty="0"/>
-              <a:t>Darstellung als Website</a:t>
-            </a:r>
-          </a:p>
-          <a:p>
-            <a:pPr lvl="1"/>
-            <a:r>
-              <a:rPr lang="de-DE" dirty="0"/>
-              <a:t>Darstellung</a:t>
-            </a:r>
-          </a:p>
-          <a:p>
-            <a:pPr lvl="2"/>
-            <a:r>
-              <a:rPr lang="de-DE" dirty="0"/>
-              <a:t>Vermutlich </a:t>
-            </a:r>
-            <a:r>
-              <a:rPr lang="de-DE" dirty="0" err="1"/>
-              <a:t>ChartJS</a:t>
-            </a:r>
-            <a:endParaRPr lang="de-DE" dirty="0"/>
-          </a:p>
-          <a:p>
-            <a:pPr lvl="1"/>
-            <a:r>
-              <a:rPr lang="de-DE" dirty="0"/>
-              <a:t>Hardware</a:t>
-            </a:r>
-          </a:p>
-          <a:p>
-            <a:pPr lvl="2"/>
-            <a:r>
-              <a:rPr lang="de-DE" dirty="0"/>
-              <a:t>(Optional) Library für LEDs</a:t>
-            </a:r>
-          </a:p>
-          <a:p>
-            <a:pPr lvl="2"/>
-            <a:r>
-              <a:rPr lang="de-DE" dirty="0"/>
-              <a:t>(Optional) Steuerung Pumpe/Ventil für Ballon</a:t>
-            </a:r>
-          </a:p>
-        </p:txBody>
-      </p:sp>
+        </p:txBody>
+      </p:sp>
+      <p:pic>
+        <p:nvPicPr>
+          <p:cNvPr id="5" name="Picture 4">
+            <a:extLst>
+              <a:ext uri="{FF2B5EF4-FFF2-40B4-BE49-F238E27FC236}">
+                <a16:creationId xmlns:a16="http://schemas.microsoft.com/office/drawing/2014/main" id="{816303B6-C025-4768-B034-DEAF7D24F459}"/>
+              </a:ext>
+            </a:extLst>
+          </p:cNvPr>
+          <p:cNvPicPr>
+            <a:picLocks noChangeAspect="1"/>
+          </p:cNvPicPr>
+          <p:nvPr/>
+        </p:nvPicPr>
+        <p:blipFill>
+          <a:blip r:embed="rId2">
+            <a:extLst>
+              <a:ext uri="{28A0092B-C50C-407E-A947-70E740481C1C}">
+                <a14:useLocalDpi xmlns:a14="http://schemas.microsoft.com/office/drawing/2010/main" val="0"/>
+              </a:ext>
+            </a:extLst>
+          </a:blip>
+          <a:stretch>
+            <a:fillRect/>
+          </a:stretch>
+        </p:blipFill>
+        <p:spPr>
+          <a:xfrm>
+            <a:off x="7416367" y="0"/>
+            <a:ext cx="4775633" cy="6858000"/>
+          </a:xfrm>
+          <a:prstGeom prst="rect">
+            <a:avLst/>
+          </a:prstGeom>
+        </p:spPr>
+      </p:pic>
     </p:spTree>
     <p:extLst>
       <p:ext uri="{BB962C8B-B14F-4D97-AF65-F5344CB8AC3E}">
-        <p14:creationId xmlns:p14="http://schemas.microsoft.com/office/powerpoint/2010/main" val="836368299"/>
+        <p14:creationId xmlns:p14="http://schemas.microsoft.com/office/powerpoint/2010/main" val="2460246359"/>
       </p:ext>
     </p:extLst>
   </p:cSld>
@@ -4581,7 +4681,7 @@
           <p:cNvPr id="2" name="Titel 1">
             <a:extLst>
               <a:ext uri="{FF2B5EF4-FFF2-40B4-BE49-F238E27FC236}">
-                <a16:creationId xmlns:a16="http://schemas.microsoft.com/office/drawing/2014/main" id="{802CF7EC-422E-4B46-8C6A-501086E2E433}"/>
+                <a16:creationId xmlns:a16="http://schemas.microsoft.com/office/drawing/2014/main" id="{34A65147-4D6F-4D9E-AA36-D80FC8751F56}"/>
               </a:ext>
             </a:extLst>
           </p:cNvPr>
@@ -4607,7 +4707,7 @@
             </a:r>
             <a:r>
               <a:rPr lang="de-DE" dirty="0"/>
-              <a:t> – Auto</a:t>
+              <a:t> – Allgemein</a:t>
             </a:r>
           </a:p>
         </p:txBody>
@@ -4617,7 +4717,7 @@
           <p:cNvPr id="3" name="Inhaltsplatzhalter 2">
             <a:extLst>
               <a:ext uri="{FF2B5EF4-FFF2-40B4-BE49-F238E27FC236}">
-                <a16:creationId xmlns:a16="http://schemas.microsoft.com/office/drawing/2014/main" id="{30CC5FFF-9A24-4D8E-A2E6-303ECBE22844}"/>
+                <a16:creationId xmlns:a16="http://schemas.microsoft.com/office/drawing/2014/main" id="{E51FDB7C-7C3C-4DA6-A386-67D58ED5A294}"/>
               </a:ext>
             </a:extLst>
           </p:cNvPr>
@@ -4635,37 +4735,57 @@
           <a:p>
             <a:r>
               <a:rPr lang="de-DE" dirty="0"/>
-              <a:t>Evaluation</a:t>
+              <a:t>Untergrund abklären</a:t>
+            </a:r>
+          </a:p>
+          <a:p>
+            <a:r>
+              <a:rPr lang="de-DE" dirty="0"/>
+              <a:t>Möglichkeiten des </a:t>
+            </a:r>
+            <a:r>
+              <a:rPr lang="de-DE" dirty="0" err="1"/>
+              <a:t>FabLab</a:t>
+            </a:r>
+            <a:r>
+              <a:rPr lang="de-DE" dirty="0"/>
+              <a:t> abklären</a:t>
+            </a:r>
+          </a:p>
+          <a:p>
+            <a:r>
+              <a:rPr lang="de-DE" dirty="0"/>
+              <a:t>Hardwarebestellung durchführen</a:t>
+            </a:r>
+          </a:p>
+          <a:p>
+            <a:r>
+              <a:rPr lang="de-DE" dirty="0"/>
+              <a:t>Sonstige Materialien</a:t>
             </a:r>
           </a:p>
           <a:p>
             <a:pPr lvl="1"/>
             <a:r>
-              <a:rPr lang="de-DE" dirty="0"/>
-              <a:t>3D Druck für Fahrzeuge</a:t>
-            </a:r>
-          </a:p>
-          <a:p>
-            <a:pPr lvl="2"/>
-            <a:r>
-              <a:rPr lang="de-DE" dirty="0"/>
-              <a:t>Tools zum Erstellen der Modelle (Blender, …)</a:t>
-            </a:r>
-          </a:p>
-          <a:p>
-            <a:r>
-              <a:rPr lang="de-DE" dirty="0"/>
-              <a:t>Bestellung der Hardware</a:t>
-            </a:r>
-          </a:p>
-          <a:p>
-            <a:r>
-              <a:rPr lang="de-DE" dirty="0"/>
-              <a:t>Elektronik testen</a:t>
-            </a:r>
-          </a:p>
-          <a:p>
-            <a:pPr lvl="1"/>
+              <a:rPr lang="de-DE" dirty="0" err="1"/>
+              <a:t>Breadboard</a:t>
+            </a:r>
+            <a:r>
+              <a:rPr lang="de-DE" dirty="0"/>
+              <a:t>, </a:t>
+            </a:r>
+            <a:r>
+              <a:rPr lang="de-DE" dirty="0" err="1"/>
+              <a:t>JumperWires</a:t>
+            </a:r>
+            <a:r>
+              <a:rPr lang="de-DE" dirty="0"/>
+              <a:t>, </a:t>
+            </a:r>
+            <a:r>
+              <a:rPr lang="de-DE" dirty="0" err="1"/>
+              <a:t>Resistors</a:t>
+            </a:r>
             <a:endParaRPr lang="de-DE" dirty="0"/>
           </a:p>
         </p:txBody>
@@ -4673,7 +4793,7 @@
     </p:spTree>
     <p:extLst>
       <p:ext uri="{BB962C8B-B14F-4D97-AF65-F5344CB8AC3E}">
-        <p14:creationId xmlns:p14="http://schemas.microsoft.com/office/powerpoint/2010/main" val="2460246359"/>
+        <p14:creationId xmlns:p14="http://schemas.microsoft.com/office/powerpoint/2010/main" val="2244558388"/>
       </p:ext>
     </p:extLst>
   </p:cSld>

--- a/workshops/2019_10_09/Präsentation 08_10_2019.pptx
+++ b/workshops/2019_10_09/Präsentation 08_10_2019.pptx
@@ -4,6 +4,9 @@
   <p:sldMasterIdLst>
     <p:sldMasterId id="2147483648" r:id="rId1"/>
   </p:sldMasterIdLst>
+  <p:notesMasterIdLst>
+    <p:notesMasterId r:id="rId11"/>
+  </p:notesMasterIdLst>
   <p:sldIdLst>
     <p:sldId id="256" r:id="rId2"/>
     <p:sldId id="257" r:id="rId3"/>
@@ -120,6 +123,1051 @@
 </p:presentation>
 </file>
 
+<file path=ppt/notesMasters/notesMaster1.xml><?xml version="1.0" encoding="utf-8"?>
+<p:notesMaster xmlns:a="http://schemas.openxmlformats.org/drawingml/2006/main" xmlns:r="http://schemas.openxmlformats.org/officeDocument/2006/relationships" xmlns:p="http://schemas.openxmlformats.org/presentationml/2006/main">
+  <p:cSld>
+    <p:bg>
+      <p:bgRef idx="1001">
+        <a:schemeClr val="bg1"/>
+      </p:bgRef>
+    </p:bg>
+    <p:spTree>
+      <p:nvGrpSpPr>
+        <p:cNvPr id="1" name=""/>
+        <p:cNvGrpSpPr/>
+        <p:nvPr/>
+      </p:nvGrpSpPr>
+      <p:grpSpPr>
+        <a:xfrm>
+          <a:off x="0" y="0"/>
+          <a:ext cx="0" cy="0"/>
+          <a:chOff x="0" y="0"/>
+          <a:chExt cx="0" cy="0"/>
+        </a:xfrm>
+      </p:grpSpPr>
+      <p:sp>
+        <p:nvSpPr>
+          <p:cNvPr id="2" name="Kopfzeilenplatzhalter 1"/>
+          <p:cNvSpPr>
+            <a:spLocks noGrp="1"/>
+          </p:cNvSpPr>
+          <p:nvPr>
+            <p:ph type="hdr" sz="quarter"/>
+          </p:nvPr>
+        </p:nvSpPr>
+        <p:spPr>
+          <a:xfrm>
+            <a:off x="0" y="0"/>
+            <a:ext cx="2971800" cy="458788"/>
+          </a:xfrm>
+          <a:prstGeom prst="rect">
+            <a:avLst/>
+          </a:prstGeom>
+        </p:spPr>
+        <p:txBody>
+          <a:bodyPr vert="horz" lIns="91440" tIns="45720" rIns="91440" bIns="45720" rtlCol="0"/>
+          <a:lstStyle>
+            <a:lvl1pPr algn="l">
+              <a:defRPr sz="1200"/>
+            </a:lvl1pPr>
+          </a:lstStyle>
+          <a:p>
+            <a:endParaRPr lang="de-DE"/>
+          </a:p>
+        </p:txBody>
+      </p:sp>
+      <p:sp>
+        <p:nvSpPr>
+          <p:cNvPr id="3" name="Datumsplatzhalter 2"/>
+          <p:cNvSpPr>
+            <a:spLocks noGrp="1"/>
+          </p:cNvSpPr>
+          <p:nvPr>
+            <p:ph type="dt" idx="1"/>
+          </p:nvPr>
+        </p:nvSpPr>
+        <p:spPr>
+          <a:xfrm>
+            <a:off x="3884613" y="0"/>
+            <a:ext cx="2971800" cy="458788"/>
+          </a:xfrm>
+          <a:prstGeom prst="rect">
+            <a:avLst/>
+          </a:prstGeom>
+        </p:spPr>
+        <p:txBody>
+          <a:bodyPr vert="horz" lIns="91440" tIns="45720" rIns="91440" bIns="45720" rtlCol="0"/>
+          <a:lstStyle>
+            <a:lvl1pPr algn="r">
+              <a:defRPr sz="1200"/>
+            </a:lvl1pPr>
+          </a:lstStyle>
+          <a:p>
+            <a:fld id="{E3599E8E-A991-475F-AF77-DE09EB48F9ED}" type="datetimeFigureOut">
+              <a:rPr lang="de-DE" smtClean="0"/>
+              <a:t>09.10.2019</a:t>
+            </a:fld>
+            <a:endParaRPr lang="de-DE"/>
+          </a:p>
+        </p:txBody>
+      </p:sp>
+      <p:sp>
+        <p:nvSpPr>
+          <p:cNvPr id="4" name="Folienbildplatzhalter 3"/>
+          <p:cNvSpPr>
+            <a:spLocks noGrp="1" noRot="1" noChangeAspect="1"/>
+          </p:cNvSpPr>
+          <p:nvPr>
+            <p:ph type="sldImg" idx="2"/>
+          </p:nvPr>
+        </p:nvSpPr>
+        <p:spPr>
+          <a:xfrm>
+            <a:off x="685800" y="1143000"/>
+            <a:ext cx="5486400" cy="3086100"/>
+          </a:xfrm>
+          <a:prstGeom prst="rect">
+            <a:avLst/>
+          </a:prstGeom>
+          <a:noFill/>
+          <a:ln w="12700">
+            <a:solidFill>
+              <a:prstClr val="black"/>
+            </a:solidFill>
+          </a:ln>
+        </p:spPr>
+        <p:txBody>
+          <a:bodyPr vert="horz" lIns="91440" tIns="45720" rIns="91440" bIns="45720" rtlCol="0" anchor="ctr"/>
+          <a:lstStyle/>
+          <a:p>
+            <a:endParaRPr lang="de-DE"/>
+          </a:p>
+        </p:txBody>
+      </p:sp>
+      <p:sp>
+        <p:nvSpPr>
+          <p:cNvPr id="5" name="Notizenplatzhalter 4"/>
+          <p:cNvSpPr>
+            <a:spLocks noGrp="1"/>
+          </p:cNvSpPr>
+          <p:nvPr>
+            <p:ph type="body" sz="quarter" idx="3"/>
+          </p:nvPr>
+        </p:nvSpPr>
+        <p:spPr>
+          <a:xfrm>
+            <a:off x="685800" y="4400550"/>
+            <a:ext cx="5486400" cy="3600450"/>
+          </a:xfrm>
+          <a:prstGeom prst="rect">
+            <a:avLst/>
+          </a:prstGeom>
+        </p:spPr>
+        <p:txBody>
+          <a:bodyPr vert="horz" lIns="91440" tIns="45720" rIns="91440" bIns="45720" rtlCol="0"/>
+          <a:lstStyle/>
+          <a:p>
+            <a:pPr lvl="0"/>
+            <a:r>
+              <a:rPr lang="de-DE"/>
+              <a:t>Mastertextformat bearbeiten</a:t>
+            </a:r>
+          </a:p>
+          <a:p>
+            <a:pPr lvl="1"/>
+            <a:r>
+              <a:rPr lang="de-DE"/>
+              <a:t>Zweite Ebene</a:t>
+            </a:r>
+          </a:p>
+          <a:p>
+            <a:pPr lvl="2"/>
+            <a:r>
+              <a:rPr lang="de-DE"/>
+              <a:t>Dritte Ebene</a:t>
+            </a:r>
+          </a:p>
+          <a:p>
+            <a:pPr lvl="3"/>
+            <a:r>
+              <a:rPr lang="de-DE"/>
+              <a:t>Vierte Ebene</a:t>
+            </a:r>
+          </a:p>
+          <a:p>
+            <a:pPr lvl="4"/>
+            <a:r>
+              <a:rPr lang="de-DE"/>
+              <a:t>Fünfte Ebene</a:t>
+            </a:r>
+          </a:p>
+        </p:txBody>
+      </p:sp>
+      <p:sp>
+        <p:nvSpPr>
+          <p:cNvPr id="6" name="Fußzeilenplatzhalter 5"/>
+          <p:cNvSpPr>
+            <a:spLocks noGrp="1"/>
+          </p:cNvSpPr>
+          <p:nvPr>
+            <p:ph type="ftr" sz="quarter" idx="4"/>
+          </p:nvPr>
+        </p:nvSpPr>
+        <p:spPr>
+          <a:xfrm>
+            <a:off x="0" y="8685213"/>
+            <a:ext cx="2971800" cy="458787"/>
+          </a:xfrm>
+          <a:prstGeom prst="rect">
+            <a:avLst/>
+          </a:prstGeom>
+        </p:spPr>
+        <p:txBody>
+          <a:bodyPr vert="horz" lIns="91440" tIns="45720" rIns="91440" bIns="45720" rtlCol="0" anchor="b"/>
+          <a:lstStyle>
+            <a:lvl1pPr algn="l">
+              <a:defRPr sz="1200"/>
+            </a:lvl1pPr>
+          </a:lstStyle>
+          <a:p>
+            <a:endParaRPr lang="de-DE"/>
+          </a:p>
+        </p:txBody>
+      </p:sp>
+      <p:sp>
+        <p:nvSpPr>
+          <p:cNvPr id="7" name="Foliennummernplatzhalter 6"/>
+          <p:cNvSpPr>
+            <a:spLocks noGrp="1"/>
+          </p:cNvSpPr>
+          <p:nvPr>
+            <p:ph type="sldNum" sz="quarter" idx="5"/>
+          </p:nvPr>
+        </p:nvSpPr>
+        <p:spPr>
+          <a:xfrm>
+            <a:off x="3884613" y="8685213"/>
+            <a:ext cx="2971800" cy="458787"/>
+          </a:xfrm>
+          <a:prstGeom prst="rect">
+            <a:avLst/>
+          </a:prstGeom>
+        </p:spPr>
+        <p:txBody>
+          <a:bodyPr vert="horz" lIns="91440" tIns="45720" rIns="91440" bIns="45720" rtlCol="0" anchor="b"/>
+          <a:lstStyle>
+            <a:lvl1pPr algn="r">
+              <a:defRPr sz="1200"/>
+            </a:lvl1pPr>
+          </a:lstStyle>
+          <a:p>
+            <a:fld id="{11428D28-81C1-40CB-B8E7-71448353209F}" type="slidenum">
+              <a:rPr lang="de-DE" smtClean="0"/>
+              <a:t>‹Nr.›</a:t>
+            </a:fld>
+            <a:endParaRPr lang="de-DE"/>
+          </a:p>
+        </p:txBody>
+      </p:sp>
+    </p:spTree>
+    <p:extLst>
+      <p:ext uri="{BB962C8B-B14F-4D97-AF65-F5344CB8AC3E}">
+        <p14:creationId xmlns:p14="http://schemas.microsoft.com/office/powerpoint/2010/main" val="963704818"/>
+      </p:ext>
+    </p:extLst>
+  </p:cSld>
+  <p:clrMap bg1="lt1" tx1="dk1" bg2="lt2" tx2="dk2" accent1="accent1" accent2="accent2" accent3="accent3" accent4="accent4" accent5="accent5" accent6="accent6" hlink="hlink" folHlink="folHlink"/>
+  <p:notesStyle>
+    <a:lvl1pPr marL="0" algn="l" defTabSz="914400" rtl="0" eaLnBrk="1" latinLnBrk="0" hangingPunct="1">
+      <a:defRPr sz="1200" kern="1200">
+        <a:solidFill>
+          <a:schemeClr val="tx1"/>
+        </a:solidFill>
+        <a:latin typeface="+mn-lt"/>
+        <a:ea typeface="+mn-ea"/>
+        <a:cs typeface="+mn-cs"/>
+      </a:defRPr>
+    </a:lvl1pPr>
+    <a:lvl2pPr marL="457200" algn="l" defTabSz="914400" rtl="0" eaLnBrk="1" latinLnBrk="0" hangingPunct="1">
+      <a:defRPr sz="1200" kern="1200">
+        <a:solidFill>
+          <a:schemeClr val="tx1"/>
+        </a:solidFill>
+        <a:latin typeface="+mn-lt"/>
+        <a:ea typeface="+mn-ea"/>
+        <a:cs typeface="+mn-cs"/>
+      </a:defRPr>
+    </a:lvl2pPr>
+    <a:lvl3pPr marL="914400" algn="l" defTabSz="914400" rtl="0" eaLnBrk="1" latinLnBrk="0" hangingPunct="1">
+      <a:defRPr sz="1200" kern="1200">
+        <a:solidFill>
+          <a:schemeClr val="tx1"/>
+        </a:solidFill>
+        <a:latin typeface="+mn-lt"/>
+        <a:ea typeface="+mn-ea"/>
+        <a:cs typeface="+mn-cs"/>
+      </a:defRPr>
+    </a:lvl3pPr>
+    <a:lvl4pPr marL="1371600" algn="l" defTabSz="914400" rtl="0" eaLnBrk="1" latinLnBrk="0" hangingPunct="1">
+      <a:defRPr sz="1200" kern="1200">
+        <a:solidFill>
+          <a:schemeClr val="tx1"/>
+        </a:solidFill>
+        <a:latin typeface="+mn-lt"/>
+        <a:ea typeface="+mn-ea"/>
+        <a:cs typeface="+mn-cs"/>
+      </a:defRPr>
+    </a:lvl4pPr>
+    <a:lvl5pPr marL="1828800" algn="l" defTabSz="914400" rtl="0" eaLnBrk="1" latinLnBrk="0" hangingPunct="1">
+      <a:defRPr sz="1200" kern="1200">
+        <a:solidFill>
+          <a:schemeClr val="tx1"/>
+        </a:solidFill>
+        <a:latin typeface="+mn-lt"/>
+        <a:ea typeface="+mn-ea"/>
+        <a:cs typeface="+mn-cs"/>
+      </a:defRPr>
+    </a:lvl5pPr>
+    <a:lvl6pPr marL="2286000" algn="l" defTabSz="914400" rtl="0" eaLnBrk="1" latinLnBrk="0" hangingPunct="1">
+      <a:defRPr sz="1200" kern="1200">
+        <a:solidFill>
+          <a:schemeClr val="tx1"/>
+        </a:solidFill>
+        <a:latin typeface="+mn-lt"/>
+        <a:ea typeface="+mn-ea"/>
+        <a:cs typeface="+mn-cs"/>
+      </a:defRPr>
+    </a:lvl6pPr>
+    <a:lvl7pPr marL="2743200" algn="l" defTabSz="914400" rtl="0" eaLnBrk="1" latinLnBrk="0" hangingPunct="1">
+      <a:defRPr sz="1200" kern="1200">
+        <a:solidFill>
+          <a:schemeClr val="tx1"/>
+        </a:solidFill>
+        <a:latin typeface="+mn-lt"/>
+        <a:ea typeface="+mn-ea"/>
+        <a:cs typeface="+mn-cs"/>
+      </a:defRPr>
+    </a:lvl7pPr>
+    <a:lvl8pPr marL="3200400" algn="l" defTabSz="914400" rtl="0" eaLnBrk="1" latinLnBrk="0" hangingPunct="1">
+      <a:defRPr sz="1200" kern="1200">
+        <a:solidFill>
+          <a:schemeClr val="tx1"/>
+        </a:solidFill>
+        <a:latin typeface="+mn-lt"/>
+        <a:ea typeface="+mn-ea"/>
+        <a:cs typeface="+mn-cs"/>
+      </a:defRPr>
+    </a:lvl8pPr>
+    <a:lvl9pPr marL="3657600" algn="l" defTabSz="914400" rtl="0" eaLnBrk="1" latinLnBrk="0" hangingPunct="1">
+      <a:defRPr sz="1200" kern="1200">
+        <a:solidFill>
+          <a:schemeClr val="tx1"/>
+        </a:solidFill>
+        <a:latin typeface="+mn-lt"/>
+        <a:ea typeface="+mn-ea"/>
+        <a:cs typeface="+mn-cs"/>
+      </a:defRPr>
+    </a:lvl9pPr>
+  </p:notesStyle>
+</p:notesMaster>
+</file>
+
+<file path=ppt/notesSlides/notesSlide1.xml><?xml version="1.0" encoding="utf-8"?>
+<p:notes xmlns:a="http://schemas.openxmlformats.org/drawingml/2006/main" xmlns:r="http://schemas.openxmlformats.org/officeDocument/2006/relationships" xmlns:p="http://schemas.openxmlformats.org/presentationml/2006/main">
+  <p:cSld>
+    <p:spTree>
+      <p:nvGrpSpPr>
+        <p:cNvPr id="1" name=""/>
+        <p:cNvGrpSpPr/>
+        <p:nvPr/>
+      </p:nvGrpSpPr>
+      <p:grpSpPr>
+        <a:xfrm>
+          <a:off x="0" y="0"/>
+          <a:ext cx="0" cy="0"/>
+          <a:chOff x="0" y="0"/>
+          <a:chExt cx="0" cy="0"/>
+        </a:xfrm>
+      </p:grpSpPr>
+      <p:sp>
+        <p:nvSpPr>
+          <p:cNvPr id="2" name="Folienbildplatzhalter 1"/>
+          <p:cNvSpPr>
+            <a:spLocks noGrp="1" noRot="1" noChangeAspect="1"/>
+          </p:cNvSpPr>
+          <p:nvPr>
+            <p:ph type="sldImg"/>
+          </p:nvPr>
+        </p:nvSpPr>
+        <p:spPr/>
+      </p:sp>
+      <p:sp>
+        <p:nvSpPr>
+          <p:cNvPr id="3" name="Notizenplatzhalter 2"/>
+          <p:cNvSpPr>
+            <a:spLocks noGrp="1"/>
+          </p:cNvSpPr>
+          <p:nvPr>
+            <p:ph type="body" idx="1"/>
+          </p:nvPr>
+        </p:nvSpPr>
+        <p:spPr/>
+        <p:txBody>
+          <a:bodyPr/>
+          <a:lstStyle/>
+          <a:p>
+            <a:r>
+              <a:rPr lang="de-DE" dirty="0"/>
+              <a:t>Nils</a:t>
+            </a:r>
+          </a:p>
+        </p:txBody>
+      </p:sp>
+      <p:sp>
+        <p:nvSpPr>
+          <p:cNvPr id="4" name="Foliennummernplatzhalter 3"/>
+          <p:cNvSpPr>
+            <a:spLocks noGrp="1"/>
+          </p:cNvSpPr>
+          <p:nvPr>
+            <p:ph type="sldNum" sz="quarter" idx="5"/>
+          </p:nvPr>
+        </p:nvSpPr>
+        <p:spPr/>
+        <p:txBody>
+          <a:bodyPr/>
+          <a:lstStyle/>
+          <a:p>
+            <a:fld id="{11428D28-81C1-40CB-B8E7-71448353209F}" type="slidenum">
+              <a:rPr lang="de-DE" smtClean="0"/>
+              <a:t>2</a:t>
+            </a:fld>
+            <a:endParaRPr lang="de-DE"/>
+          </a:p>
+        </p:txBody>
+      </p:sp>
+    </p:spTree>
+    <p:extLst>
+      <p:ext uri="{BB962C8B-B14F-4D97-AF65-F5344CB8AC3E}">
+        <p14:creationId xmlns:p14="http://schemas.microsoft.com/office/powerpoint/2010/main" val="2476985754"/>
+      </p:ext>
+    </p:extLst>
+  </p:cSld>
+  <p:clrMapOvr>
+    <a:masterClrMapping/>
+  </p:clrMapOvr>
+</p:notes>
+</file>
+
+<file path=ppt/notesSlides/notesSlide2.xml><?xml version="1.0" encoding="utf-8"?>
+<p:notes xmlns:a="http://schemas.openxmlformats.org/drawingml/2006/main" xmlns:r="http://schemas.openxmlformats.org/officeDocument/2006/relationships" xmlns:p="http://schemas.openxmlformats.org/presentationml/2006/main">
+  <p:cSld>
+    <p:spTree>
+      <p:nvGrpSpPr>
+        <p:cNvPr id="1" name=""/>
+        <p:cNvGrpSpPr/>
+        <p:nvPr/>
+      </p:nvGrpSpPr>
+      <p:grpSpPr>
+        <a:xfrm>
+          <a:off x="0" y="0"/>
+          <a:ext cx="0" cy="0"/>
+          <a:chOff x="0" y="0"/>
+          <a:chExt cx="0" cy="0"/>
+        </a:xfrm>
+      </p:grpSpPr>
+      <p:sp>
+        <p:nvSpPr>
+          <p:cNvPr id="2" name="Folienbildplatzhalter 1"/>
+          <p:cNvSpPr>
+            <a:spLocks noGrp="1" noRot="1" noChangeAspect="1"/>
+          </p:cNvSpPr>
+          <p:nvPr>
+            <p:ph type="sldImg"/>
+          </p:nvPr>
+        </p:nvSpPr>
+        <p:spPr/>
+      </p:sp>
+      <p:sp>
+        <p:nvSpPr>
+          <p:cNvPr id="3" name="Notizenplatzhalter 2"/>
+          <p:cNvSpPr>
+            <a:spLocks noGrp="1"/>
+          </p:cNvSpPr>
+          <p:nvPr>
+            <p:ph type="body" idx="1"/>
+          </p:nvPr>
+        </p:nvSpPr>
+        <p:spPr/>
+        <p:txBody>
+          <a:bodyPr/>
+          <a:lstStyle/>
+          <a:p>
+            <a:r>
+              <a:rPr lang="de-DE" dirty="0"/>
+              <a:t>Nils</a:t>
+            </a:r>
+          </a:p>
+        </p:txBody>
+      </p:sp>
+      <p:sp>
+        <p:nvSpPr>
+          <p:cNvPr id="4" name="Foliennummernplatzhalter 3"/>
+          <p:cNvSpPr>
+            <a:spLocks noGrp="1"/>
+          </p:cNvSpPr>
+          <p:nvPr>
+            <p:ph type="sldNum" sz="quarter" idx="5"/>
+          </p:nvPr>
+        </p:nvSpPr>
+        <p:spPr/>
+        <p:txBody>
+          <a:bodyPr/>
+          <a:lstStyle/>
+          <a:p>
+            <a:fld id="{11428D28-81C1-40CB-B8E7-71448353209F}" type="slidenum">
+              <a:rPr lang="de-DE" smtClean="0"/>
+              <a:t>3</a:t>
+            </a:fld>
+            <a:endParaRPr lang="de-DE"/>
+          </a:p>
+        </p:txBody>
+      </p:sp>
+    </p:spTree>
+    <p:extLst>
+      <p:ext uri="{BB962C8B-B14F-4D97-AF65-F5344CB8AC3E}">
+        <p14:creationId xmlns:p14="http://schemas.microsoft.com/office/powerpoint/2010/main" val="424161310"/>
+      </p:ext>
+    </p:extLst>
+  </p:cSld>
+  <p:clrMapOvr>
+    <a:masterClrMapping/>
+  </p:clrMapOvr>
+</p:notes>
+</file>
+
+<file path=ppt/notesSlides/notesSlide3.xml><?xml version="1.0" encoding="utf-8"?>
+<p:notes xmlns:a="http://schemas.openxmlformats.org/drawingml/2006/main" xmlns:r="http://schemas.openxmlformats.org/officeDocument/2006/relationships" xmlns:p="http://schemas.openxmlformats.org/presentationml/2006/main">
+  <p:cSld>
+    <p:spTree>
+      <p:nvGrpSpPr>
+        <p:cNvPr id="1" name=""/>
+        <p:cNvGrpSpPr/>
+        <p:nvPr/>
+      </p:nvGrpSpPr>
+      <p:grpSpPr>
+        <a:xfrm>
+          <a:off x="0" y="0"/>
+          <a:ext cx="0" cy="0"/>
+          <a:chOff x="0" y="0"/>
+          <a:chExt cx="0" cy="0"/>
+        </a:xfrm>
+      </p:grpSpPr>
+      <p:sp>
+        <p:nvSpPr>
+          <p:cNvPr id="2" name="Folienbildplatzhalter 1"/>
+          <p:cNvSpPr>
+            <a:spLocks noGrp="1" noRot="1" noChangeAspect="1"/>
+          </p:cNvSpPr>
+          <p:nvPr>
+            <p:ph type="sldImg"/>
+          </p:nvPr>
+        </p:nvSpPr>
+        <p:spPr/>
+      </p:sp>
+      <p:sp>
+        <p:nvSpPr>
+          <p:cNvPr id="3" name="Notizenplatzhalter 2"/>
+          <p:cNvSpPr>
+            <a:spLocks noGrp="1"/>
+          </p:cNvSpPr>
+          <p:nvPr>
+            <p:ph type="body" idx="1"/>
+          </p:nvPr>
+        </p:nvSpPr>
+        <p:spPr/>
+        <p:txBody>
+          <a:bodyPr/>
+          <a:lstStyle/>
+          <a:p>
+            <a:r>
+              <a:rPr lang="de-DE" dirty="0"/>
+              <a:t>Simon</a:t>
+            </a:r>
+          </a:p>
+        </p:txBody>
+      </p:sp>
+      <p:sp>
+        <p:nvSpPr>
+          <p:cNvPr id="4" name="Foliennummernplatzhalter 3"/>
+          <p:cNvSpPr>
+            <a:spLocks noGrp="1"/>
+          </p:cNvSpPr>
+          <p:nvPr>
+            <p:ph type="sldNum" sz="quarter" idx="5"/>
+          </p:nvPr>
+        </p:nvSpPr>
+        <p:spPr/>
+        <p:txBody>
+          <a:bodyPr/>
+          <a:lstStyle/>
+          <a:p>
+            <a:fld id="{11428D28-81C1-40CB-B8E7-71448353209F}" type="slidenum">
+              <a:rPr lang="de-DE" smtClean="0"/>
+              <a:t>4</a:t>
+            </a:fld>
+            <a:endParaRPr lang="de-DE"/>
+          </a:p>
+        </p:txBody>
+      </p:sp>
+    </p:spTree>
+    <p:extLst>
+      <p:ext uri="{BB962C8B-B14F-4D97-AF65-F5344CB8AC3E}">
+        <p14:creationId xmlns:p14="http://schemas.microsoft.com/office/powerpoint/2010/main" val="2544006904"/>
+      </p:ext>
+    </p:extLst>
+  </p:cSld>
+  <p:clrMapOvr>
+    <a:masterClrMapping/>
+  </p:clrMapOvr>
+</p:notes>
+</file>
+
+<file path=ppt/notesSlides/notesSlide4.xml><?xml version="1.0" encoding="utf-8"?>
+<p:notes xmlns:a="http://schemas.openxmlformats.org/drawingml/2006/main" xmlns:r="http://schemas.openxmlformats.org/officeDocument/2006/relationships" xmlns:p="http://schemas.openxmlformats.org/presentationml/2006/main">
+  <p:cSld>
+    <p:spTree>
+      <p:nvGrpSpPr>
+        <p:cNvPr id="1" name=""/>
+        <p:cNvGrpSpPr/>
+        <p:nvPr/>
+      </p:nvGrpSpPr>
+      <p:grpSpPr>
+        <a:xfrm>
+          <a:off x="0" y="0"/>
+          <a:ext cx="0" cy="0"/>
+          <a:chOff x="0" y="0"/>
+          <a:chExt cx="0" cy="0"/>
+        </a:xfrm>
+      </p:grpSpPr>
+      <p:sp>
+        <p:nvSpPr>
+          <p:cNvPr id="2" name="Folienbildplatzhalter 1"/>
+          <p:cNvSpPr>
+            <a:spLocks noGrp="1" noRot="1" noChangeAspect="1"/>
+          </p:cNvSpPr>
+          <p:nvPr>
+            <p:ph type="sldImg"/>
+          </p:nvPr>
+        </p:nvSpPr>
+        <p:spPr/>
+      </p:sp>
+      <p:sp>
+        <p:nvSpPr>
+          <p:cNvPr id="3" name="Notizenplatzhalter 2"/>
+          <p:cNvSpPr>
+            <a:spLocks noGrp="1"/>
+          </p:cNvSpPr>
+          <p:nvPr>
+            <p:ph type="body" idx="1"/>
+          </p:nvPr>
+        </p:nvSpPr>
+        <p:spPr/>
+        <p:txBody>
+          <a:bodyPr/>
+          <a:lstStyle/>
+          <a:p>
+            <a:r>
+              <a:rPr lang="de-DE" dirty="0"/>
+              <a:t>Simon</a:t>
+            </a:r>
+          </a:p>
+        </p:txBody>
+      </p:sp>
+      <p:sp>
+        <p:nvSpPr>
+          <p:cNvPr id="4" name="Foliennummernplatzhalter 3"/>
+          <p:cNvSpPr>
+            <a:spLocks noGrp="1"/>
+          </p:cNvSpPr>
+          <p:nvPr>
+            <p:ph type="sldNum" sz="quarter" idx="5"/>
+          </p:nvPr>
+        </p:nvSpPr>
+        <p:spPr/>
+        <p:txBody>
+          <a:bodyPr/>
+          <a:lstStyle/>
+          <a:p>
+            <a:fld id="{11428D28-81C1-40CB-B8E7-71448353209F}" type="slidenum">
+              <a:rPr lang="de-DE" smtClean="0"/>
+              <a:t>5</a:t>
+            </a:fld>
+            <a:endParaRPr lang="de-DE"/>
+          </a:p>
+        </p:txBody>
+      </p:sp>
+    </p:spTree>
+    <p:extLst>
+      <p:ext uri="{BB962C8B-B14F-4D97-AF65-F5344CB8AC3E}">
+        <p14:creationId xmlns:p14="http://schemas.microsoft.com/office/powerpoint/2010/main" val="1197639802"/>
+      </p:ext>
+    </p:extLst>
+  </p:cSld>
+  <p:clrMapOvr>
+    <a:masterClrMapping/>
+  </p:clrMapOvr>
+</p:notes>
+</file>
+
+<file path=ppt/notesSlides/notesSlide5.xml><?xml version="1.0" encoding="utf-8"?>
+<p:notes xmlns:a="http://schemas.openxmlformats.org/drawingml/2006/main" xmlns:r="http://schemas.openxmlformats.org/officeDocument/2006/relationships" xmlns:p="http://schemas.openxmlformats.org/presentationml/2006/main">
+  <p:cSld>
+    <p:spTree>
+      <p:nvGrpSpPr>
+        <p:cNvPr id="1" name=""/>
+        <p:cNvGrpSpPr/>
+        <p:nvPr/>
+      </p:nvGrpSpPr>
+      <p:grpSpPr>
+        <a:xfrm>
+          <a:off x="0" y="0"/>
+          <a:ext cx="0" cy="0"/>
+          <a:chOff x="0" y="0"/>
+          <a:chExt cx="0" cy="0"/>
+        </a:xfrm>
+      </p:grpSpPr>
+      <p:sp>
+        <p:nvSpPr>
+          <p:cNvPr id="2" name="Folienbildplatzhalter 1"/>
+          <p:cNvSpPr>
+            <a:spLocks noGrp="1" noRot="1" noChangeAspect="1"/>
+          </p:cNvSpPr>
+          <p:nvPr>
+            <p:ph type="sldImg"/>
+          </p:nvPr>
+        </p:nvSpPr>
+        <p:spPr/>
+      </p:sp>
+      <p:sp>
+        <p:nvSpPr>
+          <p:cNvPr id="3" name="Notizenplatzhalter 2"/>
+          <p:cNvSpPr>
+            <a:spLocks noGrp="1"/>
+          </p:cNvSpPr>
+          <p:nvPr>
+            <p:ph type="body" idx="1"/>
+          </p:nvPr>
+        </p:nvSpPr>
+        <p:spPr/>
+        <p:txBody>
+          <a:bodyPr/>
+          <a:lstStyle/>
+          <a:p>
+            <a:r>
+              <a:rPr lang="de-DE" dirty="0"/>
+              <a:t>Simon</a:t>
+            </a:r>
+          </a:p>
+        </p:txBody>
+      </p:sp>
+      <p:sp>
+        <p:nvSpPr>
+          <p:cNvPr id="4" name="Foliennummernplatzhalter 3"/>
+          <p:cNvSpPr>
+            <a:spLocks noGrp="1"/>
+          </p:cNvSpPr>
+          <p:nvPr>
+            <p:ph type="sldNum" sz="quarter" idx="5"/>
+          </p:nvPr>
+        </p:nvSpPr>
+        <p:spPr/>
+        <p:txBody>
+          <a:bodyPr/>
+          <a:lstStyle/>
+          <a:p>
+            <a:fld id="{11428D28-81C1-40CB-B8E7-71448353209F}" type="slidenum">
+              <a:rPr lang="de-DE" smtClean="0"/>
+              <a:t>6</a:t>
+            </a:fld>
+            <a:endParaRPr lang="de-DE"/>
+          </a:p>
+        </p:txBody>
+      </p:sp>
+    </p:spTree>
+    <p:extLst>
+      <p:ext uri="{BB962C8B-B14F-4D97-AF65-F5344CB8AC3E}">
+        <p14:creationId xmlns:p14="http://schemas.microsoft.com/office/powerpoint/2010/main" val="1055304625"/>
+      </p:ext>
+    </p:extLst>
+  </p:cSld>
+  <p:clrMapOvr>
+    <a:masterClrMapping/>
+  </p:clrMapOvr>
+</p:notes>
+</file>
+
+<file path=ppt/notesSlides/notesSlide6.xml><?xml version="1.0" encoding="utf-8"?>
+<p:notes xmlns:a="http://schemas.openxmlformats.org/drawingml/2006/main" xmlns:r="http://schemas.openxmlformats.org/officeDocument/2006/relationships" xmlns:p="http://schemas.openxmlformats.org/presentationml/2006/main">
+  <p:cSld>
+    <p:spTree>
+      <p:nvGrpSpPr>
+        <p:cNvPr id="1" name=""/>
+        <p:cNvGrpSpPr/>
+        <p:nvPr/>
+      </p:nvGrpSpPr>
+      <p:grpSpPr>
+        <a:xfrm>
+          <a:off x="0" y="0"/>
+          <a:ext cx="0" cy="0"/>
+          <a:chOff x="0" y="0"/>
+          <a:chExt cx="0" cy="0"/>
+        </a:xfrm>
+      </p:grpSpPr>
+      <p:sp>
+        <p:nvSpPr>
+          <p:cNvPr id="2" name="Folienbildplatzhalter 1"/>
+          <p:cNvSpPr>
+            <a:spLocks noGrp="1" noRot="1" noChangeAspect="1"/>
+          </p:cNvSpPr>
+          <p:nvPr>
+            <p:ph type="sldImg"/>
+          </p:nvPr>
+        </p:nvSpPr>
+        <p:spPr/>
+      </p:sp>
+      <p:sp>
+        <p:nvSpPr>
+          <p:cNvPr id="3" name="Notizenplatzhalter 2"/>
+          <p:cNvSpPr>
+            <a:spLocks noGrp="1"/>
+          </p:cNvSpPr>
+          <p:nvPr>
+            <p:ph type="body" idx="1"/>
+          </p:nvPr>
+        </p:nvSpPr>
+        <p:spPr/>
+        <p:txBody>
+          <a:bodyPr/>
+          <a:lstStyle/>
+          <a:p>
+            <a:r>
+              <a:rPr lang="de-DE" dirty="0"/>
+              <a:t>Simon</a:t>
+            </a:r>
+          </a:p>
+        </p:txBody>
+      </p:sp>
+      <p:sp>
+        <p:nvSpPr>
+          <p:cNvPr id="4" name="Foliennummernplatzhalter 3"/>
+          <p:cNvSpPr>
+            <a:spLocks noGrp="1"/>
+          </p:cNvSpPr>
+          <p:nvPr>
+            <p:ph type="sldNum" sz="quarter" idx="5"/>
+          </p:nvPr>
+        </p:nvSpPr>
+        <p:spPr/>
+        <p:txBody>
+          <a:bodyPr/>
+          <a:lstStyle/>
+          <a:p>
+            <a:fld id="{11428D28-81C1-40CB-B8E7-71448353209F}" type="slidenum">
+              <a:rPr lang="de-DE" smtClean="0"/>
+              <a:t>7</a:t>
+            </a:fld>
+            <a:endParaRPr lang="de-DE"/>
+          </a:p>
+        </p:txBody>
+      </p:sp>
+    </p:spTree>
+    <p:extLst>
+      <p:ext uri="{BB962C8B-B14F-4D97-AF65-F5344CB8AC3E}">
+        <p14:creationId xmlns:p14="http://schemas.microsoft.com/office/powerpoint/2010/main" val="3530453279"/>
+      </p:ext>
+    </p:extLst>
+  </p:cSld>
+  <p:clrMapOvr>
+    <a:masterClrMapping/>
+  </p:clrMapOvr>
+</p:notes>
+</file>
+
+<file path=ppt/notesSlides/notesSlide7.xml><?xml version="1.0" encoding="utf-8"?>
+<p:notes xmlns:a="http://schemas.openxmlformats.org/drawingml/2006/main" xmlns:r="http://schemas.openxmlformats.org/officeDocument/2006/relationships" xmlns:p="http://schemas.openxmlformats.org/presentationml/2006/main">
+  <p:cSld>
+    <p:spTree>
+      <p:nvGrpSpPr>
+        <p:cNvPr id="1" name=""/>
+        <p:cNvGrpSpPr/>
+        <p:nvPr/>
+      </p:nvGrpSpPr>
+      <p:grpSpPr>
+        <a:xfrm>
+          <a:off x="0" y="0"/>
+          <a:ext cx="0" cy="0"/>
+          <a:chOff x="0" y="0"/>
+          <a:chExt cx="0" cy="0"/>
+        </a:xfrm>
+      </p:grpSpPr>
+      <p:sp>
+        <p:nvSpPr>
+          <p:cNvPr id="2" name="Folienbildplatzhalter 1"/>
+          <p:cNvSpPr>
+            <a:spLocks noGrp="1" noRot="1" noChangeAspect="1"/>
+          </p:cNvSpPr>
+          <p:nvPr>
+            <p:ph type="sldImg"/>
+          </p:nvPr>
+        </p:nvSpPr>
+        <p:spPr/>
+      </p:sp>
+      <p:sp>
+        <p:nvSpPr>
+          <p:cNvPr id="3" name="Notizenplatzhalter 2"/>
+          <p:cNvSpPr>
+            <a:spLocks noGrp="1"/>
+          </p:cNvSpPr>
+          <p:nvPr>
+            <p:ph type="body" idx="1"/>
+          </p:nvPr>
+        </p:nvSpPr>
+        <p:spPr/>
+        <p:txBody>
+          <a:bodyPr/>
+          <a:lstStyle/>
+          <a:p>
+            <a:r>
+              <a:rPr lang="de-DE" dirty="0"/>
+              <a:t>Nils</a:t>
+            </a:r>
+          </a:p>
+        </p:txBody>
+      </p:sp>
+      <p:sp>
+        <p:nvSpPr>
+          <p:cNvPr id="4" name="Foliennummernplatzhalter 3"/>
+          <p:cNvSpPr>
+            <a:spLocks noGrp="1"/>
+          </p:cNvSpPr>
+          <p:nvPr>
+            <p:ph type="sldNum" sz="quarter" idx="5"/>
+          </p:nvPr>
+        </p:nvSpPr>
+        <p:spPr/>
+        <p:txBody>
+          <a:bodyPr/>
+          <a:lstStyle/>
+          <a:p>
+            <a:fld id="{11428D28-81C1-40CB-B8E7-71448353209F}" type="slidenum">
+              <a:rPr lang="de-DE" smtClean="0"/>
+              <a:t>8</a:t>
+            </a:fld>
+            <a:endParaRPr lang="de-DE"/>
+          </a:p>
+        </p:txBody>
+      </p:sp>
+    </p:spTree>
+    <p:extLst>
+      <p:ext uri="{BB962C8B-B14F-4D97-AF65-F5344CB8AC3E}">
+        <p14:creationId xmlns:p14="http://schemas.microsoft.com/office/powerpoint/2010/main" val="2435713007"/>
+      </p:ext>
+    </p:extLst>
+  </p:cSld>
+  <p:clrMapOvr>
+    <a:masterClrMapping/>
+  </p:clrMapOvr>
+</p:notes>
+</file>
+
+<file path=ppt/notesSlides/notesSlide8.xml><?xml version="1.0" encoding="utf-8"?>
+<p:notes xmlns:a="http://schemas.openxmlformats.org/drawingml/2006/main" xmlns:r="http://schemas.openxmlformats.org/officeDocument/2006/relationships" xmlns:p="http://schemas.openxmlformats.org/presentationml/2006/main">
+  <p:cSld>
+    <p:spTree>
+      <p:nvGrpSpPr>
+        <p:cNvPr id="1" name=""/>
+        <p:cNvGrpSpPr/>
+        <p:nvPr/>
+      </p:nvGrpSpPr>
+      <p:grpSpPr>
+        <a:xfrm>
+          <a:off x="0" y="0"/>
+          <a:ext cx="0" cy="0"/>
+          <a:chOff x="0" y="0"/>
+          <a:chExt cx="0" cy="0"/>
+        </a:xfrm>
+      </p:grpSpPr>
+      <p:sp>
+        <p:nvSpPr>
+          <p:cNvPr id="2" name="Folienbildplatzhalter 1"/>
+          <p:cNvSpPr>
+            <a:spLocks noGrp="1" noRot="1" noChangeAspect="1"/>
+          </p:cNvSpPr>
+          <p:nvPr>
+            <p:ph type="sldImg"/>
+          </p:nvPr>
+        </p:nvSpPr>
+        <p:spPr/>
+      </p:sp>
+      <p:sp>
+        <p:nvSpPr>
+          <p:cNvPr id="3" name="Notizenplatzhalter 2"/>
+          <p:cNvSpPr>
+            <a:spLocks noGrp="1"/>
+          </p:cNvSpPr>
+          <p:nvPr>
+            <p:ph type="body" idx="1"/>
+          </p:nvPr>
+        </p:nvSpPr>
+        <p:spPr/>
+        <p:txBody>
+          <a:bodyPr/>
+          <a:lstStyle/>
+          <a:p>
+            <a:r>
+              <a:rPr lang="de-DE"/>
+              <a:t>Nils</a:t>
+            </a:r>
+          </a:p>
+        </p:txBody>
+      </p:sp>
+      <p:sp>
+        <p:nvSpPr>
+          <p:cNvPr id="4" name="Foliennummernplatzhalter 3"/>
+          <p:cNvSpPr>
+            <a:spLocks noGrp="1"/>
+          </p:cNvSpPr>
+          <p:nvPr>
+            <p:ph type="sldNum" sz="quarter" idx="5"/>
+          </p:nvPr>
+        </p:nvSpPr>
+        <p:spPr/>
+        <p:txBody>
+          <a:bodyPr/>
+          <a:lstStyle/>
+          <a:p>
+            <a:fld id="{11428D28-81C1-40CB-B8E7-71448353209F}" type="slidenum">
+              <a:rPr lang="de-DE" smtClean="0"/>
+              <a:t>9</a:t>
+            </a:fld>
+            <a:endParaRPr lang="de-DE"/>
+          </a:p>
+        </p:txBody>
+      </p:sp>
+    </p:spTree>
+    <p:extLst>
+      <p:ext uri="{BB962C8B-B14F-4D97-AF65-F5344CB8AC3E}">
+        <p14:creationId xmlns:p14="http://schemas.microsoft.com/office/powerpoint/2010/main" val="3409626616"/>
+      </p:ext>
+    </p:extLst>
+  </p:cSld>
+  <p:clrMapOvr>
+    <a:masterClrMapping/>
+  </p:clrMapOvr>
+</p:notes>
+</file>
+
 <file path=ppt/slideLayouts/slideLayout1.xml><?xml version="1.0" encoding="utf-8"?>
 <p:sldLayout xmlns:a="http://schemas.openxmlformats.org/drawingml/2006/main" xmlns:r="http://schemas.openxmlformats.org/officeDocument/2006/relationships" xmlns:p="http://schemas.openxmlformats.org/presentationml/2006/main" type="title" preserve="1">
   <p:cSld name="Titelfolie">
@@ -267,7 +1315,7 @@
           <a:p>
             <a:fld id="{1DFF6629-E111-4711-A1D3-7DE9729EAF6D}" type="datetimeFigureOut">
               <a:rPr lang="de-DE" smtClean="0"/>
-              <a:t>08.10.2019</a:t>
+              <a:t>09.10.2019</a:t>
             </a:fld>
             <a:endParaRPr lang="de-DE"/>
           </a:p>
@@ -321,7 +1369,7 @@
           <a:p>
             <a:fld id="{A312F13E-1E93-4F6D-B514-E99E3F42818D}" type="slidenum">
               <a:rPr lang="de-DE" smtClean="0"/>
-              <a:t>‹#›</a:t>
+              <a:t>‹Nr.›</a:t>
             </a:fld>
             <a:endParaRPr lang="de-DE"/>
           </a:p>
@@ -465,7 +1513,7 @@
           <a:p>
             <a:fld id="{1DFF6629-E111-4711-A1D3-7DE9729EAF6D}" type="datetimeFigureOut">
               <a:rPr lang="de-DE" smtClean="0"/>
-              <a:t>08.10.2019</a:t>
+              <a:t>09.10.2019</a:t>
             </a:fld>
             <a:endParaRPr lang="de-DE"/>
           </a:p>
@@ -519,7 +1567,7 @@
           <a:p>
             <a:fld id="{A312F13E-1E93-4F6D-B514-E99E3F42818D}" type="slidenum">
               <a:rPr lang="de-DE" smtClean="0"/>
-              <a:t>‹#›</a:t>
+              <a:t>‹Nr.›</a:t>
             </a:fld>
             <a:endParaRPr lang="de-DE"/>
           </a:p>
@@ -673,7 +1721,7 @@
           <a:p>
             <a:fld id="{1DFF6629-E111-4711-A1D3-7DE9729EAF6D}" type="datetimeFigureOut">
               <a:rPr lang="de-DE" smtClean="0"/>
-              <a:t>08.10.2019</a:t>
+              <a:t>09.10.2019</a:t>
             </a:fld>
             <a:endParaRPr lang="de-DE"/>
           </a:p>
@@ -727,7 +1775,7 @@
           <a:p>
             <a:fld id="{A312F13E-1E93-4F6D-B514-E99E3F42818D}" type="slidenum">
               <a:rPr lang="de-DE" smtClean="0"/>
-              <a:t>‹#›</a:t>
+              <a:t>‹Nr.›</a:t>
             </a:fld>
             <a:endParaRPr lang="de-DE"/>
           </a:p>
@@ -871,7 +1919,7 @@
           <a:p>
             <a:fld id="{1DFF6629-E111-4711-A1D3-7DE9729EAF6D}" type="datetimeFigureOut">
               <a:rPr lang="de-DE" smtClean="0"/>
-              <a:t>08.10.2019</a:t>
+              <a:t>09.10.2019</a:t>
             </a:fld>
             <a:endParaRPr lang="de-DE"/>
           </a:p>
@@ -925,7 +1973,7 @@
           <a:p>
             <a:fld id="{A312F13E-1E93-4F6D-B514-E99E3F42818D}" type="slidenum">
               <a:rPr lang="de-DE" smtClean="0"/>
-              <a:t>‹#›</a:t>
+              <a:t>‹Nr.›</a:t>
             </a:fld>
             <a:endParaRPr lang="de-DE"/>
           </a:p>
@@ -1146,7 +2194,7 @@
           <a:p>
             <a:fld id="{1DFF6629-E111-4711-A1D3-7DE9729EAF6D}" type="datetimeFigureOut">
               <a:rPr lang="de-DE" smtClean="0"/>
-              <a:t>08.10.2019</a:t>
+              <a:t>09.10.2019</a:t>
             </a:fld>
             <a:endParaRPr lang="de-DE"/>
           </a:p>
@@ -1200,7 +2248,7 @@
           <a:p>
             <a:fld id="{A312F13E-1E93-4F6D-B514-E99E3F42818D}" type="slidenum">
               <a:rPr lang="de-DE" smtClean="0"/>
-              <a:t>‹#›</a:t>
+              <a:t>‹Nr.›</a:t>
             </a:fld>
             <a:endParaRPr lang="de-DE"/>
           </a:p>
@@ -1411,7 +2459,7 @@
           <a:p>
             <a:fld id="{1DFF6629-E111-4711-A1D3-7DE9729EAF6D}" type="datetimeFigureOut">
               <a:rPr lang="de-DE" smtClean="0"/>
-              <a:t>08.10.2019</a:t>
+              <a:t>09.10.2019</a:t>
             </a:fld>
             <a:endParaRPr lang="de-DE"/>
           </a:p>
@@ -1465,7 +2513,7 @@
           <a:p>
             <a:fld id="{A312F13E-1E93-4F6D-B514-E99E3F42818D}" type="slidenum">
               <a:rPr lang="de-DE" smtClean="0"/>
-              <a:t>‹#›</a:t>
+              <a:t>‹Nr.›</a:t>
             </a:fld>
             <a:endParaRPr lang="de-DE"/>
           </a:p>
@@ -1823,7 +2871,7 @@
           <a:p>
             <a:fld id="{1DFF6629-E111-4711-A1D3-7DE9729EAF6D}" type="datetimeFigureOut">
               <a:rPr lang="de-DE" smtClean="0"/>
-              <a:t>08.10.2019</a:t>
+              <a:t>09.10.2019</a:t>
             </a:fld>
             <a:endParaRPr lang="de-DE"/>
           </a:p>
@@ -1877,7 +2925,7 @@
           <a:p>
             <a:fld id="{A312F13E-1E93-4F6D-B514-E99E3F42818D}" type="slidenum">
               <a:rPr lang="de-DE" smtClean="0"/>
-              <a:t>‹#›</a:t>
+              <a:t>‹Nr.›</a:t>
             </a:fld>
             <a:endParaRPr lang="de-DE"/>
           </a:p>
@@ -1964,7 +3012,7 @@
           <a:p>
             <a:fld id="{1DFF6629-E111-4711-A1D3-7DE9729EAF6D}" type="datetimeFigureOut">
               <a:rPr lang="de-DE" smtClean="0"/>
-              <a:t>08.10.2019</a:t>
+              <a:t>09.10.2019</a:t>
             </a:fld>
             <a:endParaRPr lang="de-DE"/>
           </a:p>
@@ -2018,7 +3066,7 @@
           <a:p>
             <a:fld id="{A312F13E-1E93-4F6D-B514-E99E3F42818D}" type="slidenum">
               <a:rPr lang="de-DE" smtClean="0"/>
-              <a:t>‹#›</a:t>
+              <a:t>‹Nr.›</a:t>
             </a:fld>
             <a:endParaRPr lang="de-DE"/>
           </a:p>
@@ -2077,7 +3125,7 @@
           <a:p>
             <a:fld id="{1DFF6629-E111-4711-A1D3-7DE9729EAF6D}" type="datetimeFigureOut">
               <a:rPr lang="de-DE" smtClean="0"/>
-              <a:t>08.10.2019</a:t>
+              <a:t>09.10.2019</a:t>
             </a:fld>
             <a:endParaRPr lang="de-DE"/>
           </a:p>
@@ -2131,7 +3179,7 @@
           <a:p>
             <a:fld id="{A312F13E-1E93-4F6D-B514-E99E3F42818D}" type="slidenum">
               <a:rPr lang="de-DE" smtClean="0"/>
-              <a:t>‹#›</a:t>
+              <a:t>‹Nr.›</a:t>
             </a:fld>
             <a:endParaRPr lang="de-DE"/>
           </a:p>
@@ -2388,7 +3436,7 @@
           <a:p>
             <a:fld id="{1DFF6629-E111-4711-A1D3-7DE9729EAF6D}" type="datetimeFigureOut">
               <a:rPr lang="de-DE" smtClean="0"/>
-              <a:t>08.10.2019</a:t>
+              <a:t>09.10.2019</a:t>
             </a:fld>
             <a:endParaRPr lang="de-DE"/>
           </a:p>
@@ -2442,7 +3490,7 @@
           <a:p>
             <a:fld id="{A312F13E-1E93-4F6D-B514-E99E3F42818D}" type="slidenum">
               <a:rPr lang="de-DE" smtClean="0"/>
-              <a:t>‹#›</a:t>
+              <a:t>‹Nr.›</a:t>
             </a:fld>
             <a:endParaRPr lang="de-DE"/>
           </a:p>
@@ -2676,7 +3724,7 @@
           <a:p>
             <a:fld id="{1DFF6629-E111-4711-A1D3-7DE9729EAF6D}" type="datetimeFigureOut">
               <a:rPr lang="de-DE" smtClean="0"/>
-              <a:t>08.10.2019</a:t>
+              <a:t>09.10.2019</a:t>
             </a:fld>
             <a:endParaRPr lang="de-DE"/>
           </a:p>
@@ -2730,7 +3778,7 @@
           <a:p>
             <a:fld id="{A312F13E-1E93-4F6D-B514-E99E3F42818D}" type="slidenum">
               <a:rPr lang="de-DE" smtClean="0"/>
-              <a:t>‹#›</a:t>
+              <a:t>‹Nr.›</a:t>
             </a:fld>
             <a:endParaRPr lang="de-DE"/>
           </a:p>
@@ -2926,7 +3974,7 @@
           <a:p>
             <a:fld id="{1DFF6629-E111-4711-A1D3-7DE9729EAF6D}" type="datetimeFigureOut">
               <a:rPr lang="de-DE" smtClean="0"/>
-              <a:t>08.10.2019</a:t>
+              <a:t>09.10.2019</a:t>
             </a:fld>
             <a:endParaRPr lang="de-DE"/>
           </a:p>
@@ -3016,7 +4064,7 @@
           <a:p>
             <a:fld id="{A312F13E-1E93-4F6D-B514-E99E3F42818D}" type="slidenum">
               <a:rPr lang="de-DE" smtClean="0"/>
-              <a:t>‹#›</a:t>
+              <a:t>‹Nr.›</a:t>
             </a:fld>
             <a:endParaRPr lang="de-DE"/>
           </a:p>
@@ -3562,7 +4610,7 @@
     <p:bg>
       <p:bgPr>
         <a:blipFill dpi="0" rotWithShape="1">
-          <a:blip r:embed="rId2">
+          <a:blip r:embed="rId3">
             <a:lum/>
           </a:blip>
           <a:srcRect/>
@@ -3641,7 +4689,7 @@
           <p:nvPr/>
         </p:nvPicPr>
         <p:blipFill rotWithShape="1">
-          <a:blip r:embed="rId3">
+          <a:blip r:embed="rId4">
             <a:extLst>
               <a:ext uri="{28A0092B-C50C-407E-A947-70E740481C1C}">
                 <a14:useLocalDpi xmlns:a14="http://schemas.microsoft.com/office/drawing/2010/main" val="0"/>
@@ -3927,7 +4975,7 @@
           <p:nvPr/>
         </p:nvPicPr>
         <p:blipFill>
-          <a:blip r:embed="rId2">
+          <a:blip r:embed="rId3">
             <a:extLst>
               <a:ext uri="{28A0092B-C50C-407E-A947-70E740481C1C}">
                 <a14:useLocalDpi xmlns:a14="http://schemas.microsoft.com/office/drawing/2010/main" val="0"/>
@@ -4115,7 +5163,7 @@
           <p:nvPr/>
         </p:nvPicPr>
         <p:blipFill>
-          <a:blip r:embed="rId2">
+          <a:blip r:embed="rId3">
             <a:extLst>
               <a:ext uri="{28A0092B-C50C-407E-A947-70E740481C1C}">
                 <a14:useLocalDpi xmlns:a14="http://schemas.microsoft.com/office/drawing/2010/main" val="0"/>
@@ -4298,7 +5346,7 @@
           <p:nvPr/>
         </p:nvPicPr>
         <p:blipFill>
-          <a:blip r:embed="rId2">
+          <a:blip r:embed="rId3">
             <a:extLst>
               <a:ext uri="{28A0092B-C50C-407E-A947-70E740481C1C}">
                 <a14:useLocalDpi xmlns:a14="http://schemas.microsoft.com/office/drawing/2010/main" val="0"/>
@@ -4625,7 +5673,7 @@
           <p:nvPr/>
         </p:nvPicPr>
         <p:blipFill>
-          <a:blip r:embed="rId2">
+          <a:blip r:embed="rId3">
             <a:extLst>
               <a:ext uri="{28A0092B-C50C-407E-A947-70E740481C1C}">
                 <a14:useLocalDpi xmlns:a14="http://schemas.microsoft.com/office/drawing/2010/main" val="0"/>
@@ -5096,4 +6144,299 @@
     </a:ext>
   </a:extLst>
 </a:theme>
+</file>
+
+<file path=ppt/theme/theme2.xml><?xml version="1.0" encoding="utf-8"?>
+<a:theme xmlns:a="http://schemas.openxmlformats.org/drawingml/2006/main" name="Office">
+  <a:themeElements>
+    <a:clrScheme name="Office">
+      <a:dk1>
+        <a:sysClr val="windowText" lastClr="000000"/>
+      </a:dk1>
+      <a:lt1>
+        <a:sysClr val="window" lastClr="FFFFFF"/>
+      </a:lt1>
+      <a:dk2>
+        <a:srgbClr val="44546A"/>
+      </a:dk2>
+      <a:lt2>
+        <a:srgbClr val="E7E6E6"/>
+      </a:lt2>
+      <a:accent1>
+        <a:srgbClr val="4472C4"/>
+      </a:accent1>
+      <a:accent2>
+        <a:srgbClr val="ED7D31"/>
+      </a:accent2>
+      <a:accent3>
+        <a:srgbClr val="A5A5A5"/>
+      </a:accent3>
+      <a:accent4>
+        <a:srgbClr val="FFC000"/>
+      </a:accent4>
+      <a:accent5>
+        <a:srgbClr val="5B9BD5"/>
+      </a:accent5>
+      <a:accent6>
+        <a:srgbClr val="70AD47"/>
+      </a:accent6>
+      <a:hlink>
+        <a:srgbClr val="0563C1"/>
+      </a:hlink>
+      <a:folHlink>
+        <a:srgbClr val="954F72"/>
+      </a:folHlink>
+    </a:clrScheme>
+    <a:fontScheme name="Office">
+      <a:majorFont>
+        <a:latin typeface="Calibri Light" panose="020F0302020204030204"/>
+        <a:ea typeface=""/>
+        <a:cs typeface=""/>
+        <a:font script="Jpan" typeface="游ゴシック Light"/>
+        <a:font script="Hang" typeface="맑은 고딕"/>
+        <a:font script="Hans" typeface="等线 Light"/>
+        <a:font script="Hant" typeface="新細明體"/>
+        <a:font script="Arab" typeface="Times New Roman"/>
+        <a:font script="Hebr" typeface="Times New Roman"/>
+        <a:font script="Thai" typeface="Angsana New"/>
+        <a:font script="Ethi" typeface="Nyala"/>
+        <a:font script="Beng" typeface="Vrinda"/>
+        <a:font script="Gujr" typeface="Shruti"/>
+        <a:font script="Khmr" typeface="MoolBoran"/>
+        <a:font script="Knda" typeface="Tunga"/>
+        <a:font script="Guru" typeface="Raavi"/>
+        <a:font script="Cans" typeface="Euphemia"/>
+        <a:font script="Cher" typeface="Plantagenet Cherokee"/>
+        <a:font script="Yiii" typeface="Microsoft Yi Baiti"/>
+        <a:font script="Tibt" typeface="Microsoft Himalaya"/>
+        <a:font script="Thaa" typeface="MV Boli"/>
+        <a:font script="Deva" typeface="Mangal"/>
+        <a:font script="Telu" typeface="Gautami"/>
+        <a:font script="Taml" typeface="Latha"/>
+        <a:font script="Syrc" typeface="Estrangelo Edessa"/>
+        <a:font script="Orya" typeface="Kalinga"/>
+        <a:font script="Mlym" typeface="Kartika"/>
+        <a:font script="Laoo" typeface="DokChampa"/>
+        <a:font script="Sinh" typeface="Iskoola Pota"/>
+        <a:font script="Mong" typeface="Mongolian Baiti"/>
+        <a:font script="Viet" typeface="Times New Roman"/>
+        <a:font script="Uigh" typeface="Microsoft Uighur"/>
+        <a:font script="Geor" typeface="Sylfaen"/>
+        <a:font script="Armn" typeface="Arial"/>
+        <a:font script="Bugi" typeface="Leelawadee UI"/>
+        <a:font script="Bopo" typeface="Microsoft JhengHei"/>
+        <a:font script="Java" typeface="Javanese Text"/>
+        <a:font script="Lisu" typeface="Segoe UI"/>
+        <a:font script="Mymr" typeface="Myanmar Text"/>
+        <a:font script="Nkoo" typeface="Ebrima"/>
+        <a:font script="Olck" typeface="Nirmala UI"/>
+        <a:font script="Osma" typeface="Ebrima"/>
+        <a:font script="Phag" typeface="Phagspa"/>
+        <a:font script="Syrn" typeface="Estrangelo Edessa"/>
+        <a:font script="Syrj" typeface="Estrangelo Edessa"/>
+        <a:font script="Syre" typeface="Estrangelo Edessa"/>
+        <a:font script="Sora" typeface="Nirmala UI"/>
+        <a:font script="Tale" typeface="Microsoft Tai Le"/>
+        <a:font script="Talu" typeface="Microsoft New Tai Lue"/>
+        <a:font script="Tfng" typeface="Ebrima"/>
+      </a:majorFont>
+      <a:minorFont>
+        <a:latin typeface="Calibri" panose="020F0502020204030204"/>
+        <a:ea typeface=""/>
+        <a:cs typeface=""/>
+        <a:font script="Jpan" typeface="游ゴシック"/>
+        <a:font script="Hang" typeface="맑은 고딕"/>
+        <a:font script="Hans" typeface="等线"/>
+        <a:font script="Hant" typeface="新細明體"/>
+        <a:font script="Arab" typeface="Arial"/>
+        <a:font script="Hebr" typeface="Arial"/>
+        <a:font script="Thai" typeface="Cordia New"/>
+        <a:font script="Ethi" typeface="Nyala"/>
+        <a:font script="Beng" typeface="Vrinda"/>
+        <a:font script="Gujr" typeface="Shruti"/>
+        <a:font script="Khmr" typeface="DaunPenh"/>
+        <a:font script="Knda" typeface="Tunga"/>
+        <a:font script="Guru" typeface="Raavi"/>
+        <a:font script="Cans" typeface="Euphemia"/>
+        <a:font script="Cher" typeface="Plantagenet Cherokee"/>
+        <a:font script="Yiii" typeface="Microsoft Yi Baiti"/>
+        <a:font script="Tibt" typeface="Microsoft Himalaya"/>
+        <a:font script="Thaa" typeface="MV Boli"/>
+        <a:font script="Deva" typeface="Mangal"/>
+        <a:font script="Telu" typeface="Gautami"/>
+        <a:font script="Taml" typeface="Latha"/>
+        <a:font script="Syrc" typeface="Estrangelo Edessa"/>
+        <a:font script="Orya" typeface="Kalinga"/>
+        <a:font script="Mlym" typeface="Kartika"/>
+        <a:font script="Laoo" typeface="DokChampa"/>
+        <a:font script="Sinh" typeface="Iskoola Pota"/>
+        <a:font script="Mong" typeface="Mongolian Baiti"/>
+        <a:font script="Viet" typeface="Arial"/>
+        <a:font script="Uigh" typeface="Microsoft Uighur"/>
+        <a:font script="Geor" typeface="Sylfaen"/>
+        <a:font script="Armn" typeface="Arial"/>
+        <a:font script="Bugi" typeface="Leelawadee UI"/>
+        <a:font script="Bopo" typeface="Microsoft JhengHei"/>
+        <a:font script="Java" typeface="Javanese Text"/>
+        <a:font script="Lisu" typeface="Segoe UI"/>
+        <a:font script="Mymr" typeface="Myanmar Text"/>
+        <a:font script="Nkoo" typeface="Ebrima"/>
+        <a:font script="Olck" typeface="Nirmala UI"/>
+        <a:font script="Osma" typeface="Ebrima"/>
+        <a:font script="Phag" typeface="Phagspa"/>
+        <a:font script="Syrn" typeface="Estrangelo Edessa"/>
+        <a:font script="Syrj" typeface="Estrangelo Edessa"/>
+        <a:font script="Syre" typeface="Estrangelo Edessa"/>
+        <a:font script="Sora" typeface="Nirmala UI"/>
+        <a:font script="Tale" typeface="Microsoft Tai Le"/>
+        <a:font script="Talu" typeface="Microsoft New Tai Lue"/>
+        <a:font script="Tfng" typeface="Ebrima"/>
+      </a:minorFont>
+    </a:fontScheme>
+    <a:fmtScheme name="Office">
+      <a:fillStyleLst>
+        <a:solidFill>
+          <a:schemeClr val="phClr"/>
+        </a:solidFill>
+        <a:gradFill rotWithShape="1">
+          <a:gsLst>
+            <a:gs pos="0">
+              <a:schemeClr val="phClr">
+                <a:lumMod val="110000"/>
+                <a:satMod val="105000"/>
+                <a:tint val="67000"/>
+              </a:schemeClr>
+            </a:gs>
+            <a:gs pos="50000">
+              <a:schemeClr val="phClr">
+                <a:lumMod val="105000"/>
+                <a:satMod val="103000"/>
+                <a:tint val="73000"/>
+              </a:schemeClr>
+            </a:gs>
+            <a:gs pos="100000">
+              <a:schemeClr val="phClr">
+                <a:lumMod val="105000"/>
+                <a:satMod val="109000"/>
+                <a:tint val="81000"/>
+              </a:schemeClr>
+            </a:gs>
+          </a:gsLst>
+          <a:lin ang="5400000" scaled="0"/>
+        </a:gradFill>
+        <a:gradFill rotWithShape="1">
+          <a:gsLst>
+            <a:gs pos="0">
+              <a:schemeClr val="phClr">
+                <a:satMod val="103000"/>
+                <a:lumMod val="102000"/>
+                <a:tint val="94000"/>
+              </a:schemeClr>
+            </a:gs>
+            <a:gs pos="50000">
+              <a:schemeClr val="phClr">
+                <a:satMod val="110000"/>
+                <a:lumMod val="100000"/>
+                <a:shade val="100000"/>
+              </a:schemeClr>
+            </a:gs>
+            <a:gs pos="100000">
+              <a:schemeClr val="phClr">
+                <a:lumMod val="99000"/>
+                <a:satMod val="120000"/>
+                <a:shade val="78000"/>
+              </a:schemeClr>
+            </a:gs>
+          </a:gsLst>
+          <a:lin ang="5400000" scaled="0"/>
+        </a:gradFill>
+      </a:fillStyleLst>
+      <a:lnStyleLst>
+        <a:ln w="6350" cap="flat" cmpd="sng" algn="ctr">
+          <a:solidFill>
+            <a:schemeClr val="phClr"/>
+          </a:solidFill>
+          <a:prstDash val="solid"/>
+          <a:miter lim="800000"/>
+        </a:ln>
+        <a:ln w="12700" cap="flat" cmpd="sng" algn="ctr">
+          <a:solidFill>
+            <a:schemeClr val="phClr"/>
+          </a:solidFill>
+          <a:prstDash val="solid"/>
+          <a:miter lim="800000"/>
+        </a:ln>
+        <a:ln w="19050" cap="flat" cmpd="sng" algn="ctr">
+          <a:solidFill>
+            <a:schemeClr val="phClr"/>
+          </a:solidFill>
+          <a:prstDash val="solid"/>
+          <a:miter lim="800000"/>
+        </a:ln>
+      </a:lnStyleLst>
+      <a:effectStyleLst>
+        <a:effectStyle>
+          <a:effectLst/>
+        </a:effectStyle>
+        <a:effectStyle>
+          <a:effectLst/>
+        </a:effectStyle>
+        <a:effectStyle>
+          <a:effectLst>
+            <a:outerShdw blurRad="57150" dist="19050" dir="5400000" algn="ctr" rotWithShape="0">
+              <a:srgbClr val="000000">
+                <a:alpha val="63000"/>
+              </a:srgbClr>
+            </a:outerShdw>
+          </a:effectLst>
+        </a:effectStyle>
+      </a:effectStyleLst>
+      <a:bgFillStyleLst>
+        <a:solidFill>
+          <a:schemeClr val="phClr"/>
+        </a:solidFill>
+        <a:solidFill>
+          <a:schemeClr val="phClr">
+            <a:tint val="95000"/>
+            <a:satMod val="170000"/>
+          </a:schemeClr>
+        </a:solidFill>
+        <a:gradFill rotWithShape="1">
+          <a:gsLst>
+            <a:gs pos="0">
+              <a:schemeClr val="phClr">
+                <a:tint val="93000"/>
+                <a:satMod val="150000"/>
+                <a:shade val="98000"/>
+                <a:lumMod val="102000"/>
+              </a:schemeClr>
+            </a:gs>
+            <a:gs pos="50000">
+              <a:schemeClr val="phClr">
+                <a:tint val="98000"/>
+                <a:satMod val="130000"/>
+                <a:shade val="90000"/>
+                <a:lumMod val="103000"/>
+              </a:schemeClr>
+            </a:gs>
+            <a:gs pos="100000">
+              <a:schemeClr val="phClr">
+                <a:shade val="63000"/>
+                <a:satMod val="120000"/>
+              </a:schemeClr>
+            </a:gs>
+          </a:gsLst>
+          <a:lin ang="5400000" scaled="0"/>
+        </a:gradFill>
+      </a:bgFillStyleLst>
+    </a:fmtScheme>
+  </a:themeElements>
+  <a:objectDefaults/>
+  <a:extraClrSchemeLst/>
+  <a:extLst>
+    <a:ext uri="{05A4C25C-085E-4340-85A3-A5531E510DB2}">
+      <thm15:themeFamily xmlns:thm15="http://schemas.microsoft.com/office/thememl/2012/main" name="Office Theme" id="{62F939B6-93AF-4DB8-9C6B-D6C7DFDC589F}" vid="{4A3C46E8-61CC-4603-A589-7422A47A8E4A}"/>
+    </a:ext>
+  </a:extLst>
+</a:theme>
 </file>